--- a/(宣道詩178)盡忠為主.pptx
+++ b/(宣道詩178)盡忠為主.pptx
@@ -6,15 +6,11 @@
   </p:sldMasterIdLst>
   <p:sldIdLst>
     <p:sldId id="256" r:id="rId2"/>
-    <p:sldId id="257" r:id="rId3"/>
-    <p:sldId id="258" r:id="rId4"/>
-    <p:sldId id="259" r:id="rId5"/>
-    <p:sldId id="260" r:id="rId6"/>
-    <p:sldId id="261" r:id="rId7"/>
-    <p:sldId id="262" r:id="rId8"/>
-    <p:sldId id="263" r:id="rId9"/>
+    <p:sldId id="258" r:id="rId3"/>
+    <p:sldId id="260" r:id="rId4"/>
+    <p:sldId id="262" r:id="rId5"/>
   </p:sldIdLst>
-  <p:sldSz cx="9144000" cy="6858000" type="screen4x3"/>
+  <p:sldSz cx="12192000" cy="6858000"/>
   <p:notesSz cx="6858000" cy="9144000"/>
   <p:defaultTextStyle>
     <a:defPPr>
@@ -111,6 +107,22 @@
       </a:defRPr>
     </a:lvl9pPr>
   </p:defaultTextStyle>
+  <p:extLst>
+    <p:ext uri="{EFAFB233-063F-42B5-8137-9DF3F51BA10A}">
+      <p15:sldGuideLst xmlns:p15="http://schemas.microsoft.com/office/powerpoint/2012/main">
+        <p15:guide id="1" orient="horz" pos="2160" userDrawn="1">
+          <p15:clr>
+            <a:srgbClr val="A4A3A4"/>
+          </p15:clr>
+        </p15:guide>
+        <p15:guide id="2" pos="3840" userDrawn="1">
+          <p15:clr>
+            <a:srgbClr val="A4A3A4"/>
+          </p15:clr>
+        </p15:guide>
+      </p15:sldGuideLst>
+    </p:ext>
+  </p:extLst>
 </p:presentation>
 </file>
 
@@ -143,8 +155,8 @@
         </p:nvSpPr>
         <p:spPr>
           <a:xfrm>
-            <a:off x="685800" y="2130425"/>
-            <a:ext cx="7772400" cy="1470025"/>
+            <a:off x="914400" y="2130426"/>
+            <a:ext cx="10363200" cy="1470025"/>
           </a:xfrm>
         </p:spPr>
         <p:txBody>
@@ -171,8 +183,8 @@
         </p:nvSpPr>
         <p:spPr>
           <a:xfrm>
-            <a:off x="1371600" y="3886200"/>
-            <a:ext cx="6400800" cy="1752600"/>
+            <a:off x="1828800" y="3886200"/>
+            <a:ext cx="8534400" cy="1752600"/>
           </a:xfrm>
         </p:spPr>
         <p:txBody>
@@ -295,7 +307,7 @@
           <a:p>
             <a:fld id="{411817C7-263D-4E14-81F7-E149B4F2C125}" type="datetimeFigureOut">
               <a:rPr lang="zh-TW" altLang="en-US" smtClean="0"/>
-              <a:t>2018/1/20</a:t>
+              <a:t>2019/10/17</a:t>
             </a:fld>
             <a:endParaRPr lang="zh-TW" altLang="en-US"/>
           </a:p>
@@ -460,7 +472,7 @@
           <a:p>
             <a:fld id="{411817C7-263D-4E14-81F7-E149B4F2C125}" type="datetimeFigureOut">
               <a:rPr lang="zh-TW" altLang="en-US" smtClean="0"/>
-              <a:t>2018/1/20</a:t>
+              <a:t>2019/10/17</a:t>
             </a:fld>
             <a:endParaRPr lang="zh-TW" altLang="en-US"/>
           </a:p>
@@ -545,8 +557,8 @@
         </p:nvSpPr>
         <p:spPr>
           <a:xfrm>
-            <a:off x="6629400" y="274638"/>
-            <a:ext cx="2057400" cy="5851525"/>
+            <a:off x="8839200" y="274639"/>
+            <a:ext cx="2743200" cy="5851525"/>
           </a:xfrm>
         </p:spPr>
         <p:txBody>
@@ -573,8 +585,8 @@
         </p:nvSpPr>
         <p:spPr>
           <a:xfrm>
-            <a:off x="457200" y="274638"/>
-            <a:ext cx="6019800" cy="5851525"/>
+            <a:off x="609600" y="274639"/>
+            <a:ext cx="8026400" cy="5851525"/>
           </a:xfrm>
         </p:spPr>
         <p:txBody>
@@ -635,7 +647,7 @@
           <a:p>
             <a:fld id="{411817C7-263D-4E14-81F7-E149B4F2C125}" type="datetimeFigureOut">
               <a:rPr lang="zh-TW" altLang="en-US" smtClean="0"/>
-              <a:t>2018/1/20</a:t>
+              <a:t>2019/10/17</a:t>
             </a:fld>
             <a:endParaRPr lang="zh-TW" altLang="en-US"/>
           </a:p>
@@ -800,7 +812,7 @@
           <a:p>
             <a:fld id="{411817C7-263D-4E14-81F7-E149B4F2C125}" type="datetimeFigureOut">
               <a:rPr lang="zh-TW" altLang="en-US" smtClean="0"/>
-              <a:t>2018/1/20</a:t>
+              <a:t>2019/10/17</a:t>
             </a:fld>
             <a:endParaRPr lang="zh-TW" altLang="en-US"/>
           </a:p>
@@ -885,8 +897,8 @@
         </p:nvSpPr>
         <p:spPr>
           <a:xfrm>
-            <a:off x="722313" y="4406900"/>
-            <a:ext cx="7772400" cy="1362075"/>
+            <a:off x="963084" y="4406901"/>
+            <a:ext cx="10363200" cy="1362075"/>
           </a:xfrm>
         </p:spPr>
         <p:txBody>
@@ -917,8 +929,8 @@
         </p:nvSpPr>
         <p:spPr>
           <a:xfrm>
-            <a:off x="722313" y="2906713"/>
-            <a:ext cx="7772400" cy="1500187"/>
+            <a:off x="963084" y="2906713"/>
+            <a:ext cx="10363200" cy="1500187"/>
           </a:xfrm>
         </p:spPr>
         <p:txBody>
@@ -1041,7 +1053,7 @@
           <a:p>
             <a:fld id="{411817C7-263D-4E14-81F7-E149B4F2C125}" type="datetimeFigureOut">
               <a:rPr lang="zh-TW" altLang="en-US" smtClean="0"/>
-              <a:t>2018/1/20</a:t>
+              <a:t>2019/10/17</a:t>
             </a:fld>
             <a:endParaRPr lang="zh-TW" altLang="en-US"/>
           </a:p>
@@ -1149,8 +1161,8 @@
         </p:nvSpPr>
         <p:spPr>
           <a:xfrm>
-            <a:off x="457200" y="1600200"/>
-            <a:ext cx="4038600" cy="4525963"/>
+            <a:off x="609600" y="1600201"/>
+            <a:ext cx="5384800" cy="4525963"/>
           </a:xfrm>
         </p:spPr>
         <p:txBody>
@@ -1234,8 +1246,8 @@
         </p:nvSpPr>
         <p:spPr>
           <a:xfrm>
-            <a:off x="4648200" y="1600200"/>
-            <a:ext cx="4038600" cy="4525963"/>
+            <a:off x="6197600" y="1600201"/>
+            <a:ext cx="5384800" cy="4525963"/>
           </a:xfrm>
         </p:spPr>
         <p:txBody>
@@ -1324,7 +1336,7 @@
           <a:p>
             <a:fld id="{411817C7-263D-4E14-81F7-E149B4F2C125}" type="datetimeFigureOut">
               <a:rPr lang="zh-TW" altLang="en-US" smtClean="0"/>
-              <a:t>2018/1/20</a:t>
+              <a:t>2019/10/17</a:t>
             </a:fld>
             <a:endParaRPr lang="zh-TW" altLang="en-US"/>
           </a:p>
@@ -1436,8 +1448,8 @@
         </p:nvSpPr>
         <p:spPr>
           <a:xfrm>
-            <a:off x="457200" y="1535113"/>
-            <a:ext cx="4040188" cy="639762"/>
+            <a:off x="609600" y="1535113"/>
+            <a:ext cx="5386917" cy="639762"/>
           </a:xfrm>
         </p:spPr>
         <p:txBody>
@@ -1501,8 +1513,8 @@
         </p:nvSpPr>
         <p:spPr>
           <a:xfrm>
-            <a:off x="457200" y="2174875"/>
-            <a:ext cx="4040188" cy="3951288"/>
+            <a:off x="609600" y="2174875"/>
+            <a:ext cx="5386917" cy="3951288"/>
           </a:xfrm>
         </p:spPr>
         <p:txBody>
@@ -1586,8 +1598,8 @@
         </p:nvSpPr>
         <p:spPr>
           <a:xfrm>
-            <a:off x="4645025" y="1535113"/>
-            <a:ext cx="4041775" cy="639762"/>
+            <a:off x="6193368" y="1535113"/>
+            <a:ext cx="5389033" cy="639762"/>
           </a:xfrm>
         </p:spPr>
         <p:txBody>
@@ -1651,8 +1663,8 @@
         </p:nvSpPr>
         <p:spPr>
           <a:xfrm>
-            <a:off x="4645025" y="2174875"/>
-            <a:ext cx="4041775" cy="3951288"/>
+            <a:off x="6193368" y="2174875"/>
+            <a:ext cx="5389033" cy="3951288"/>
           </a:xfrm>
         </p:spPr>
         <p:txBody>
@@ -1741,7 +1753,7 @@
           <a:p>
             <a:fld id="{411817C7-263D-4E14-81F7-E149B4F2C125}" type="datetimeFigureOut">
               <a:rPr lang="zh-TW" altLang="en-US" smtClean="0"/>
-              <a:t>2018/1/20</a:t>
+              <a:t>2019/10/17</a:t>
             </a:fld>
             <a:endParaRPr lang="zh-TW" altLang="en-US"/>
           </a:p>
@@ -1854,7 +1866,7 @@
           <a:p>
             <a:fld id="{411817C7-263D-4E14-81F7-E149B4F2C125}" type="datetimeFigureOut">
               <a:rPr lang="zh-TW" altLang="en-US" smtClean="0"/>
-              <a:t>2018/1/20</a:t>
+              <a:t>2019/10/17</a:t>
             </a:fld>
             <a:endParaRPr lang="zh-TW" altLang="en-US"/>
           </a:p>
@@ -1944,7 +1956,7 @@
           <a:p>
             <a:fld id="{411817C7-263D-4E14-81F7-E149B4F2C125}" type="datetimeFigureOut">
               <a:rPr lang="zh-TW" altLang="en-US" smtClean="0"/>
-              <a:t>2018/1/20</a:t>
+              <a:t>2019/10/17</a:t>
             </a:fld>
             <a:endParaRPr lang="zh-TW" altLang="en-US"/>
           </a:p>
@@ -2029,8 +2041,8 @@
         </p:nvSpPr>
         <p:spPr>
           <a:xfrm>
-            <a:off x="457200" y="273050"/>
-            <a:ext cx="3008313" cy="1162050"/>
+            <a:off x="609601" y="273050"/>
+            <a:ext cx="4011084" cy="1162050"/>
           </a:xfrm>
         </p:spPr>
         <p:txBody>
@@ -2061,8 +2073,8 @@
         </p:nvSpPr>
         <p:spPr>
           <a:xfrm>
-            <a:off x="3575050" y="273050"/>
-            <a:ext cx="5111750" cy="5853113"/>
+            <a:off x="4766733" y="273051"/>
+            <a:ext cx="6815667" cy="5853113"/>
           </a:xfrm>
         </p:spPr>
         <p:txBody>
@@ -2146,8 +2158,8 @@
         </p:nvSpPr>
         <p:spPr>
           <a:xfrm>
-            <a:off x="457200" y="1435100"/>
-            <a:ext cx="3008313" cy="4691063"/>
+            <a:off x="609601" y="1435101"/>
+            <a:ext cx="4011084" cy="4691063"/>
           </a:xfrm>
         </p:spPr>
         <p:txBody>
@@ -2216,7 +2228,7 @@
           <a:p>
             <a:fld id="{411817C7-263D-4E14-81F7-E149B4F2C125}" type="datetimeFigureOut">
               <a:rPr lang="zh-TW" altLang="en-US" smtClean="0"/>
-              <a:t>2018/1/20</a:t>
+              <a:t>2019/10/17</a:t>
             </a:fld>
             <a:endParaRPr lang="zh-TW" altLang="en-US"/>
           </a:p>
@@ -2301,8 +2313,8 @@
         </p:nvSpPr>
         <p:spPr>
           <a:xfrm>
-            <a:off x="1792288" y="4800600"/>
-            <a:ext cx="5486400" cy="566738"/>
+            <a:off x="2389717" y="4800600"/>
+            <a:ext cx="7315200" cy="566738"/>
           </a:xfrm>
         </p:spPr>
         <p:txBody>
@@ -2333,8 +2345,8 @@
         </p:nvSpPr>
         <p:spPr>
           <a:xfrm>
-            <a:off x="1792288" y="612775"/>
-            <a:ext cx="5486400" cy="4114800"/>
+            <a:off x="2389717" y="612775"/>
+            <a:ext cx="7315200" cy="4114800"/>
           </a:xfrm>
         </p:spPr>
         <p:txBody>
@@ -2398,8 +2410,8 @@
         </p:nvSpPr>
         <p:spPr>
           <a:xfrm>
-            <a:off x="1792288" y="5367338"/>
-            <a:ext cx="5486400" cy="804862"/>
+            <a:off x="2389717" y="5367338"/>
+            <a:ext cx="7315200" cy="804862"/>
           </a:xfrm>
         </p:spPr>
         <p:txBody>
@@ -2468,7 +2480,7 @@
           <a:p>
             <a:fld id="{411817C7-263D-4E14-81F7-E149B4F2C125}" type="datetimeFigureOut">
               <a:rPr lang="zh-TW" altLang="en-US" smtClean="0"/>
-              <a:t>2018/1/20</a:t>
+              <a:t>2019/10/17</a:t>
             </a:fld>
             <a:endParaRPr lang="zh-TW" altLang="en-US"/>
           </a:p>
@@ -2563,8 +2575,8 @@
         </p:nvSpPr>
         <p:spPr>
           <a:xfrm>
-            <a:off x="457200" y="274638"/>
-            <a:ext cx="8229600" cy="1143000"/>
+            <a:off x="609600" y="274638"/>
+            <a:ext cx="10972800" cy="1143000"/>
           </a:xfrm>
           <a:prstGeom prst="rect">
             <a:avLst/>
@@ -2596,8 +2608,8 @@
         </p:nvSpPr>
         <p:spPr>
           <a:xfrm>
-            <a:off x="457200" y="1600200"/>
-            <a:ext cx="8229600" cy="4525963"/>
+            <a:off x="609600" y="1600201"/>
+            <a:ext cx="10972800" cy="4525963"/>
           </a:xfrm>
           <a:prstGeom prst="rect">
             <a:avLst/>
@@ -2658,8 +2670,8 @@
         </p:nvSpPr>
         <p:spPr>
           <a:xfrm>
-            <a:off x="457200" y="6356350"/>
-            <a:ext cx="2133600" cy="365125"/>
+            <a:off x="609600" y="6356351"/>
+            <a:ext cx="2844800" cy="365125"/>
           </a:xfrm>
           <a:prstGeom prst="rect">
             <a:avLst/>
@@ -2681,7 +2693,7 @@
           <a:p>
             <a:fld id="{411817C7-263D-4E14-81F7-E149B4F2C125}" type="datetimeFigureOut">
               <a:rPr lang="zh-TW" altLang="en-US" smtClean="0"/>
-              <a:t>2018/1/20</a:t>
+              <a:t>2019/10/17</a:t>
             </a:fld>
             <a:endParaRPr lang="zh-TW" altLang="en-US"/>
           </a:p>
@@ -2699,8 +2711,8 @@
         </p:nvSpPr>
         <p:spPr>
           <a:xfrm>
-            <a:off x="3124200" y="6356350"/>
-            <a:ext cx="2895600" cy="365125"/>
+            <a:off x="4165600" y="6356351"/>
+            <a:ext cx="3860800" cy="365125"/>
           </a:xfrm>
           <a:prstGeom prst="rect">
             <a:avLst/>
@@ -2736,8 +2748,8 @@
         </p:nvSpPr>
         <p:spPr>
           <a:xfrm>
-            <a:off x="6553200" y="6356350"/>
-            <a:ext cx="2133600" cy="365125"/>
+            <a:off x="8737600" y="6356351"/>
+            <a:ext cx="2844800" cy="365125"/>
           </a:xfrm>
           <a:prstGeom prst="rect">
             <a:avLst/>
@@ -3063,11 +3075,13 @@
         </p:nvSpPr>
         <p:spPr/>
         <p:txBody>
-          <a:bodyPr/>
-          <a:lstStyle/>
-          <a:p>
-            <a:r>
-              <a:rPr lang="zh-TW" altLang="en-US" b="1" dirty="0">
+          <a:bodyPr>
+            <a:normAutofit/>
+          </a:bodyPr>
+          <a:lstStyle/>
+          <a:p>
+            <a:r>
+              <a:rPr lang="zh-TW" altLang="en-US" sz="4800" b="1" dirty="0">
                 <a:solidFill>
                   <a:srgbClr val="660033"/>
                 </a:solidFill>
@@ -3091,8 +3105,8 @@
         </p:nvSpPr>
         <p:spPr>
           <a:xfrm>
-            <a:off x="0" y="1600200"/>
-            <a:ext cx="9144000" cy="4525963"/>
+            <a:off x="0" y="1600201"/>
+            <a:ext cx="12192000" cy="4525963"/>
           </a:xfrm>
         </p:spPr>
         <p:txBody>
@@ -3105,7 +3119,7 @@
               <a:buNone/>
             </a:pPr>
             <a:r>
-              <a:rPr lang="zh-TW" altLang="en-US" sz="5400" b="1" dirty="0">
+              <a:rPr lang="zh-TW" altLang="en-US" sz="6000" b="1" dirty="0">
                 <a:solidFill>
                   <a:srgbClr val="660033"/>
                 </a:solidFill>
@@ -3115,7 +3129,7 @@
               <a:t>盡忠盡忠為</a:t>
             </a:r>
             <a:r>
-              <a:rPr lang="zh-TW" altLang="en-US" sz="5400" b="1" dirty="0" smtClean="0">
+              <a:rPr lang="zh-TW" altLang="en-US" sz="6000" b="1" dirty="0" smtClean="0">
                 <a:solidFill>
                   <a:srgbClr val="660033"/>
                 </a:solidFill>
@@ -3124,7 +3138,47 @@
               </a:rPr>
               <a:t>耶穌</a:t>
             </a:r>
-            <a:endParaRPr lang="en-US" altLang="zh-TW" sz="5400" b="1" dirty="0" smtClean="0">
+            <a:r>
+              <a:rPr lang="en-US" altLang="zh-TW" sz="6000" b="1" dirty="0" smtClean="0">
+                <a:solidFill>
+                  <a:srgbClr val="660033"/>
+                </a:solidFill>
+                <a:latin typeface="微軟正黑體" pitchFamily="34" charset="-120"/>
+                <a:ea typeface="微軟正黑體" pitchFamily="34" charset="-120"/>
+              </a:rPr>
+              <a:t>  </a:t>
+            </a:r>
+            <a:r>
+              <a:rPr lang="zh-TW" altLang="en-US" sz="6000" b="1" dirty="0" smtClean="0">
+                <a:solidFill>
+                  <a:srgbClr val="660033"/>
+                </a:solidFill>
+                <a:latin typeface="微軟正黑體" pitchFamily="34" charset="-120"/>
+                <a:ea typeface="微軟正黑體" pitchFamily="34" charset="-120"/>
+              </a:rPr>
+              <a:t>作</a:t>
+            </a:r>
+            <a:r>
+              <a:rPr lang="zh-TW" altLang="en-US" sz="6000" b="1" dirty="0">
+                <a:solidFill>
+                  <a:srgbClr val="660033"/>
+                </a:solidFill>
+                <a:latin typeface="微軟正黑體" pitchFamily="34" charset="-120"/>
+                <a:ea typeface="微軟正黑體" pitchFamily="34" charset="-120"/>
+              </a:rPr>
+              <a:t>十字架</a:t>
+            </a:r>
+            <a:r>
+              <a:rPr lang="zh-TW" altLang="en-US" sz="6000" b="1" dirty="0">
+                <a:solidFill>
+                  <a:srgbClr val="660033"/>
+                </a:solidFill>
+                <a:latin typeface="微軟正黑體" pitchFamily="34" charset="-120"/>
+                <a:ea typeface="微軟正黑體" pitchFamily="34" charset="-120"/>
+              </a:rPr>
+              <a:t>精兵</a:t>
+            </a:r>
+            <a:endParaRPr lang="en-US" altLang="zh-TW" sz="6000" b="1" dirty="0">
               <a:solidFill>
                 <a:srgbClr val="660033"/>
               </a:solidFill>
@@ -3137,36 +3191,76 @@
               <a:buNone/>
             </a:pPr>
             <a:r>
-              <a:rPr lang="zh-TW" altLang="en-US" sz="5400" b="1" dirty="0" smtClean="0">
-                <a:solidFill>
-                  <a:srgbClr val="660033"/>
-                </a:solidFill>
-                <a:latin typeface="微軟正黑體" pitchFamily="34" charset="-120"/>
-                <a:ea typeface="微軟正黑體" pitchFamily="34" charset="-120"/>
-              </a:rPr>
-              <a:t>作</a:t>
-            </a:r>
-            <a:r>
-              <a:rPr lang="zh-TW" altLang="en-US" sz="5400" b="1" dirty="0">
-                <a:solidFill>
-                  <a:srgbClr val="660033"/>
-                </a:solidFill>
-                <a:latin typeface="微軟正黑體" pitchFamily="34" charset="-120"/>
-                <a:ea typeface="微軟正黑體" pitchFamily="34" charset="-120"/>
-              </a:rPr>
-              <a:t>十字架</a:t>
-            </a:r>
-            <a:r>
-              <a:rPr lang="zh-TW" altLang="en-US" sz="5400" b="1" dirty="0" smtClean="0">
-                <a:solidFill>
-                  <a:srgbClr val="660033"/>
-                </a:solidFill>
-                <a:latin typeface="微軟正黑體" pitchFamily="34" charset="-120"/>
-                <a:ea typeface="微軟正黑體" pitchFamily="34" charset="-120"/>
-              </a:rPr>
-              <a:t>精兵</a:t>
-            </a:r>
-            <a:endParaRPr lang="en-US" altLang="zh-TW" sz="5400" b="1" dirty="0">
+              <a:rPr lang="zh-TW" altLang="en-US" sz="6000" b="1" dirty="0">
+                <a:solidFill>
+                  <a:srgbClr val="660033"/>
+                </a:solidFill>
+                <a:latin typeface="微軟正黑體" pitchFamily="34" charset="-120"/>
+                <a:ea typeface="微軟正黑體" pitchFamily="34" charset="-120"/>
+              </a:rPr>
+              <a:t>各</a:t>
+            </a:r>
+            <a:r>
+              <a:rPr lang="zh-TW" altLang="en-US" sz="6000" b="1" dirty="0">
+                <a:solidFill>
+                  <a:srgbClr val="660033"/>
+                </a:solidFill>
+                <a:latin typeface="微軟正黑體" pitchFamily="34" charset="-120"/>
+                <a:ea typeface="微軟正黑體" pitchFamily="34" charset="-120"/>
+              </a:rPr>
+              <a:t>將王旗高</a:t>
+            </a:r>
+            <a:r>
+              <a:rPr lang="zh-TW" altLang="en-US" sz="6000" b="1" dirty="0" smtClean="0">
+                <a:solidFill>
+                  <a:srgbClr val="660033"/>
+                </a:solidFill>
+                <a:latin typeface="微軟正黑體" pitchFamily="34" charset="-120"/>
+                <a:ea typeface="微軟正黑體" pitchFamily="34" charset="-120"/>
+              </a:rPr>
+              <a:t>高舉</a:t>
+            </a:r>
+            <a:r>
+              <a:rPr lang="en-US" altLang="zh-TW" sz="6000" b="1" dirty="0" smtClean="0">
+                <a:solidFill>
+                  <a:srgbClr val="660033"/>
+                </a:solidFill>
+                <a:latin typeface="微軟正黑體" pitchFamily="34" charset="-120"/>
+                <a:ea typeface="微軟正黑體" pitchFamily="34" charset="-120"/>
+              </a:rPr>
+              <a:t>  </a:t>
+            </a:r>
+            <a:r>
+              <a:rPr lang="zh-TW" altLang="en-US" sz="6000" b="1" dirty="0" smtClean="0">
+                <a:solidFill>
+                  <a:srgbClr val="660033"/>
+                </a:solidFill>
+                <a:latin typeface="微軟正黑體" pitchFamily="34" charset="-120"/>
+                <a:ea typeface="微軟正黑體" pitchFamily="34" charset="-120"/>
+              </a:rPr>
+              <a:t>莫</a:t>
+            </a:r>
+            <a:r>
+              <a:rPr lang="zh-TW" altLang="en-US" sz="6000" b="1" dirty="0">
+                <a:solidFill>
+                  <a:srgbClr val="660033"/>
+                </a:solidFill>
+                <a:latin typeface="微軟正黑體" pitchFamily="34" charset="-120"/>
+                <a:ea typeface="微軟正黑體" pitchFamily="34" charset="-120"/>
+              </a:rPr>
+              <a:t>使此旗倒</a:t>
+            </a:r>
+            <a:r>
+              <a:rPr lang="zh-TW" altLang="en-US" sz="6000" b="1" dirty="0" smtClean="0">
+                <a:solidFill>
+                  <a:srgbClr val="660033"/>
+                </a:solidFill>
+                <a:latin typeface="微軟正黑體" pitchFamily="34" charset="-120"/>
+                <a:ea typeface="微軟正黑體" pitchFamily="34" charset="-120"/>
+              </a:rPr>
+              <a:t>傾</a:t>
+            </a:r>
+            <a:endParaRPr lang="en-US" altLang="zh-TW" sz="6000" b="1" dirty="0" smtClean="0">
               <a:solidFill>
                 <a:srgbClr val="660033"/>
               </a:solidFill>
@@ -3179,36 +3273,56 @@
               <a:buNone/>
             </a:pPr>
             <a:r>
-              <a:rPr lang="zh-TW" altLang="en-US" sz="5400" b="1" dirty="0" smtClean="0">
-                <a:solidFill>
-                  <a:srgbClr val="660033"/>
-                </a:solidFill>
-                <a:latin typeface="微軟正黑體" pitchFamily="34" charset="-120"/>
-                <a:ea typeface="微軟正黑體" pitchFamily="34" charset="-120"/>
-              </a:rPr>
-              <a:t>各</a:t>
-            </a:r>
-            <a:r>
-              <a:rPr lang="zh-TW" altLang="en-US" sz="5400" b="1" dirty="0">
-                <a:solidFill>
-                  <a:srgbClr val="660033"/>
-                </a:solidFill>
-                <a:latin typeface="微軟正黑體" pitchFamily="34" charset="-120"/>
-                <a:ea typeface="微軟正黑體" pitchFamily="34" charset="-120"/>
-              </a:rPr>
-              <a:t>將王旗高</a:t>
-            </a:r>
-            <a:r>
-              <a:rPr lang="zh-TW" altLang="en-US" sz="5400" b="1" dirty="0" smtClean="0">
-                <a:solidFill>
-                  <a:srgbClr val="660033"/>
-                </a:solidFill>
-                <a:latin typeface="微軟正黑體" pitchFamily="34" charset="-120"/>
-                <a:ea typeface="微軟正黑體" pitchFamily="34" charset="-120"/>
-              </a:rPr>
-              <a:t>高舉</a:t>
-            </a:r>
-            <a:endParaRPr lang="en-US" altLang="zh-TW" sz="5400" b="1" dirty="0" smtClean="0">
+              <a:rPr lang="zh-TW" altLang="en-US" sz="6000" b="1" dirty="0">
+                <a:solidFill>
+                  <a:srgbClr val="660033"/>
+                </a:solidFill>
+                <a:latin typeface="微軟正黑體" pitchFamily="34" charset="-120"/>
+                <a:ea typeface="微軟正黑體" pitchFamily="34" charset="-120"/>
+              </a:rPr>
+              <a:t>主軍主必親</a:t>
+            </a:r>
+            <a:r>
+              <a:rPr lang="zh-TW" altLang="en-US" sz="6000" b="1" dirty="0" smtClean="0">
+                <a:solidFill>
+                  <a:srgbClr val="660033"/>
+                </a:solidFill>
+                <a:latin typeface="微軟正黑體" pitchFamily="34" charset="-120"/>
+                <a:ea typeface="微軟正黑體" pitchFamily="34" charset="-120"/>
+              </a:rPr>
+              <a:t>統領</a:t>
+            </a:r>
+            <a:r>
+              <a:rPr lang="en-US" altLang="zh-TW" sz="6000" b="1" dirty="0" smtClean="0">
+                <a:solidFill>
+                  <a:srgbClr val="660033"/>
+                </a:solidFill>
+                <a:latin typeface="微軟正黑體" pitchFamily="34" charset="-120"/>
+                <a:ea typeface="微軟正黑體" pitchFamily="34" charset="-120"/>
+              </a:rPr>
+              <a:t>  </a:t>
+            </a:r>
+            <a:r>
+              <a:rPr lang="zh-TW" altLang="en-US" sz="6000" b="1" dirty="0" smtClean="0">
+                <a:solidFill>
+                  <a:srgbClr val="660033"/>
+                </a:solidFill>
+                <a:latin typeface="微軟正黑體" pitchFamily="34" charset="-120"/>
+                <a:ea typeface="微軟正黑體" pitchFamily="34" charset="-120"/>
+              </a:rPr>
+              <a:t>步步</a:t>
+            </a:r>
+            <a:r>
+              <a:rPr lang="zh-TW" altLang="en-US" sz="6000" b="1" dirty="0">
+                <a:solidFill>
+                  <a:srgbClr val="660033"/>
+                </a:solidFill>
+                <a:latin typeface="微軟正黑體" pitchFamily="34" charset="-120"/>
+                <a:ea typeface="微軟正黑體" pitchFamily="34" charset="-120"/>
+              </a:rPr>
+              <a:t>引入勝境</a:t>
+            </a:r>
+            <a:endParaRPr lang="en-US" altLang="zh-TW" sz="6000" b="1" dirty="0">
               <a:solidFill>
                 <a:srgbClr val="660033"/>
               </a:solidFill>
@@ -3221,36 +3335,61 @@
               <a:buNone/>
             </a:pPr>
             <a:r>
-              <a:rPr lang="zh-TW" altLang="en-US" sz="5400" b="1" dirty="0" smtClean="0">
-                <a:solidFill>
-                  <a:srgbClr val="660033"/>
-                </a:solidFill>
-                <a:latin typeface="微軟正黑體" pitchFamily="34" charset="-120"/>
-                <a:ea typeface="微軟正黑體" pitchFamily="34" charset="-120"/>
-              </a:rPr>
-              <a:t>莫</a:t>
-            </a:r>
-            <a:r>
-              <a:rPr lang="zh-TW" altLang="en-US" sz="5400" b="1" dirty="0">
-                <a:solidFill>
-                  <a:srgbClr val="660033"/>
-                </a:solidFill>
-                <a:latin typeface="微軟正黑體" pitchFamily="34" charset="-120"/>
-                <a:ea typeface="微軟正黑體" pitchFamily="34" charset="-120"/>
-              </a:rPr>
-              <a:t>使此旗倒</a:t>
-            </a:r>
-            <a:r>
-              <a:rPr lang="zh-TW" altLang="en-US" sz="5400" b="1" dirty="0" smtClean="0">
-                <a:solidFill>
-                  <a:srgbClr val="660033"/>
-                </a:solidFill>
-                <a:latin typeface="微軟正黑體" pitchFamily="34" charset="-120"/>
-                <a:ea typeface="微軟正黑體" pitchFamily="34" charset="-120"/>
-              </a:rPr>
-              <a:t>傾</a:t>
-            </a:r>
-            <a:endParaRPr lang="zh-TW" altLang="en-US" sz="5400" b="1" dirty="0">
+              <a:rPr lang="zh-TW" altLang="en-US" sz="6000" b="1" dirty="0">
+                <a:solidFill>
+                  <a:srgbClr val="660033"/>
+                </a:solidFill>
+                <a:latin typeface="微軟正黑體" pitchFamily="34" charset="-120"/>
+                <a:ea typeface="微軟正黑體" pitchFamily="34" charset="-120"/>
+              </a:rPr>
+              <a:t>直到仇敵皆敗</a:t>
+            </a:r>
+            <a:r>
+              <a:rPr lang="zh-TW" altLang="en-US" sz="6000" b="1" dirty="0" smtClean="0">
+                <a:solidFill>
+                  <a:srgbClr val="660033"/>
+                </a:solidFill>
+                <a:latin typeface="微軟正黑體" pitchFamily="34" charset="-120"/>
+                <a:ea typeface="微軟正黑體" pitchFamily="34" charset="-120"/>
+              </a:rPr>
+              <a:t>負</a:t>
+            </a:r>
+            <a:r>
+              <a:rPr lang="en-US" altLang="zh-TW" sz="6000" b="1" dirty="0" smtClean="0">
+                <a:solidFill>
+                  <a:srgbClr val="660033"/>
+                </a:solidFill>
+                <a:latin typeface="微軟正黑體" pitchFamily="34" charset="-120"/>
+                <a:ea typeface="微軟正黑體" pitchFamily="34" charset="-120"/>
+              </a:rPr>
+              <a:t>  </a:t>
+            </a:r>
+            <a:r>
+              <a:rPr lang="zh-TW" altLang="en-US" sz="6000" b="1" dirty="0" smtClean="0">
+                <a:solidFill>
+                  <a:srgbClr val="660033"/>
+                </a:solidFill>
+                <a:latin typeface="微軟正黑體" pitchFamily="34" charset="-120"/>
+                <a:ea typeface="微軟正黑體" pitchFamily="34" charset="-120"/>
+              </a:rPr>
+              <a:t>惟有</a:t>
+            </a:r>
+            <a:r>
+              <a:rPr lang="zh-TW" altLang="en-US" sz="6000" b="1" dirty="0">
+                <a:solidFill>
+                  <a:srgbClr val="660033"/>
+                </a:solidFill>
+                <a:latin typeface="微軟正黑體" pitchFamily="34" charset="-120"/>
+                <a:ea typeface="微軟正黑體" pitchFamily="34" charset="-120"/>
+              </a:rPr>
+              <a:t>基督是君</a:t>
+            </a:r>
+          </a:p>
+          <a:p>
+            <a:pPr algn="ctr">
+              <a:buNone/>
+            </a:pPr>
+            <a:endParaRPr lang="zh-TW" altLang="en-US" sz="6000" b="1" dirty="0">
               <a:solidFill>
                 <a:srgbClr val="660033"/>
               </a:solidFill>
@@ -3297,11 +3436,13 @@
         </p:nvSpPr>
         <p:spPr/>
         <p:txBody>
-          <a:bodyPr/>
-          <a:lstStyle/>
-          <a:p>
-            <a:r>
-              <a:rPr lang="zh-TW" altLang="en-US" b="1" dirty="0">
+          <a:bodyPr>
+            <a:normAutofit/>
+          </a:bodyPr>
+          <a:lstStyle/>
+          <a:p>
+            <a:r>
+              <a:rPr lang="zh-TW" altLang="en-US" sz="4800" b="1" dirty="0">
                 <a:solidFill>
                   <a:srgbClr val="660033"/>
                 </a:solidFill>
@@ -3325,8 +3466,8 @@
         </p:nvSpPr>
         <p:spPr>
           <a:xfrm>
-            <a:off x="0" y="1600200"/>
-            <a:ext cx="9144000" cy="4525963"/>
+            <a:off x="0" y="1600201"/>
+            <a:ext cx="12192000" cy="4525963"/>
           </a:xfrm>
         </p:spPr>
         <p:txBody>
@@ -3339,16 +3480,66 @@
               <a:buNone/>
             </a:pPr>
             <a:r>
-              <a:rPr lang="zh-TW" altLang="en-US" sz="5400" b="1" dirty="0" smtClean="0">
-                <a:solidFill>
-                  <a:srgbClr val="660033"/>
-                </a:solidFill>
-                <a:latin typeface="微軟正黑體" pitchFamily="34" charset="-120"/>
-                <a:ea typeface="微軟正黑體" pitchFamily="34" charset="-120"/>
-              </a:rPr>
-              <a:t>主軍主必親統領</a:t>
-            </a:r>
-            <a:endParaRPr lang="en-US" altLang="zh-TW" sz="5400" b="1" dirty="0" smtClean="0">
+              <a:rPr lang="zh-TW" altLang="en-US" sz="6000" b="1" dirty="0">
+                <a:solidFill>
+                  <a:srgbClr val="660033"/>
+                </a:solidFill>
+                <a:latin typeface="微軟正黑體" pitchFamily="34" charset="-120"/>
+                <a:ea typeface="微軟正黑體" pitchFamily="34" charset="-120"/>
+              </a:rPr>
+              <a:t>盡忠盡忠為</a:t>
+            </a:r>
+            <a:r>
+              <a:rPr lang="zh-TW" altLang="en-US" sz="6000" b="1" dirty="0" smtClean="0">
+                <a:solidFill>
+                  <a:srgbClr val="660033"/>
+                </a:solidFill>
+                <a:latin typeface="微軟正黑體" pitchFamily="34" charset="-120"/>
+                <a:ea typeface="微軟正黑體" pitchFamily="34" charset="-120"/>
+              </a:rPr>
+              <a:t>耶穌</a:t>
+            </a:r>
+            <a:r>
+              <a:rPr lang="en-US" altLang="zh-TW" sz="6000" b="1" dirty="0">
+                <a:solidFill>
+                  <a:srgbClr val="660033"/>
+                </a:solidFill>
+                <a:latin typeface="微軟正黑體" pitchFamily="34" charset="-120"/>
+                <a:ea typeface="微軟正黑體" pitchFamily="34" charset="-120"/>
+              </a:rPr>
+              <a:t> </a:t>
+            </a:r>
+            <a:r>
+              <a:rPr lang="en-US" altLang="zh-TW" sz="6000" b="1" dirty="0" smtClean="0">
+                <a:solidFill>
+                  <a:srgbClr val="660033"/>
+                </a:solidFill>
+                <a:latin typeface="微軟正黑體" pitchFamily="34" charset="-120"/>
+                <a:ea typeface="微軟正黑體" pitchFamily="34" charset="-120"/>
+              </a:rPr>
+              <a:t> </a:t>
+            </a:r>
+            <a:r>
+              <a:rPr lang="zh-TW" altLang="en-US" sz="6000" b="1" dirty="0" smtClean="0">
+                <a:solidFill>
+                  <a:srgbClr val="660033"/>
+                </a:solidFill>
+                <a:latin typeface="微軟正黑體" pitchFamily="34" charset="-120"/>
+                <a:ea typeface="微軟正黑體" pitchFamily="34" charset="-120"/>
+              </a:rPr>
+              <a:t>號令</a:t>
+            </a:r>
+            <a:r>
+              <a:rPr lang="zh-TW" altLang="en-US" sz="6000" b="1" dirty="0">
+                <a:solidFill>
+                  <a:srgbClr val="660033"/>
+                </a:solidFill>
+                <a:latin typeface="微軟正黑體" pitchFamily="34" charset="-120"/>
+                <a:ea typeface="微軟正黑體" pitchFamily="34" charset="-120"/>
+              </a:rPr>
+              <a:t>仍是服從</a:t>
+            </a:r>
+            <a:endParaRPr lang="en-US" altLang="zh-TW" sz="6000" b="1" dirty="0">
               <a:solidFill>
                 <a:srgbClr val="660033"/>
               </a:solidFill>
@@ -3361,16 +3552,76 @@
               <a:buNone/>
             </a:pPr>
             <a:r>
-              <a:rPr lang="zh-TW" altLang="en-US" sz="5400" b="1" dirty="0" smtClean="0">
-                <a:solidFill>
-                  <a:srgbClr val="660033"/>
-                </a:solidFill>
-                <a:latin typeface="微軟正黑體" pitchFamily="34" charset="-120"/>
-                <a:ea typeface="微軟正黑體" pitchFamily="34" charset="-120"/>
-              </a:rPr>
-              <a:t>步步引入勝境</a:t>
-            </a:r>
-            <a:endParaRPr lang="en-US" altLang="zh-TW" sz="5400" b="1" dirty="0" smtClean="0">
+              <a:rPr lang="zh-TW" altLang="en-US" sz="6000" b="1" dirty="0">
+                <a:solidFill>
+                  <a:srgbClr val="660033"/>
+                </a:solidFill>
+                <a:latin typeface="微軟正黑體" pitchFamily="34" charset="-120"/>
+                <a:ea typeface="微軟正黑體" pitchFamily="34" charset="-120"/>
+              </a:rPr>
+              <a:t>勇往直臨大</a:t>
+            </a:r>
+            <a:r>
+              <a:rPr lang="zh-TW" altLang="en-US" sz="6000" b="1" dirty="0" smtClean="0">
+                <a:solidFill>
+                  <a:srgbClr val="660033"/>
+                </a:solidFill>
+                <a:latin typeface="微軟正黑體" pitchFamily="34" charset="-120"/>
+                <a:ea typeface="微軟正黑體" pitchFamily="34" charset="-120"/>
+              </a:rPr>
+              <a:t>戰場</a:t>
+            </a:r>
+            <a:r>
+              <a:rPr lang="en-US" altLang="zh-TW" sz="6000" b="1" dirty="0">
+                <a:solidFill>
+                  <a:srgbClr val="660033"/>
+                </a:solidFill>
+                <a:latin typeface="微軟正黑體" pitchFamily="34" charset="-120"/>
+                <a:ea typeface="微軟正黑體" pitchFamily="34" charset="-120"/>
+              </a:rPr>
+              <a:t> </a:t>
+            </a:r>
+            <a:r>
+              <a:rPr lang="en-US" altLang="zh-TW" sz="6000" b="1" dirty="0" smtClean="0">
+                <a:solidFill>
+                  <a:srgbClr val="660033"/>
+                </a:solidFill>
+                <a:latin typeface="微軟正黑體" pitchFamily="34" charset="-120"/>
+                <a:ea typeface="微軟正黑體" pitchFamily="34" charset="-120"/>
+              </a:rPr>
+              <a:t> </a:t>
+            </a:r>
+            <a:r>
+              <a:rPr lang="zh-TW" altLang="en-US" sz="6000" b="1" dirty="0" smtClean="0">
+                <a:solidFill>
+                  <a:srgbClr val="660033"/>
+                </a:solidFill>
+                <a:latin typeface="微軟正黑體" pitchFamily="34" charset="-120"/>
+                <a:ea typeface="微軟正黑體" pitchFamily="34" charset="-120"/>
+              </a:rPr>
+              <a:t>在此</a:t>
+            </a:r>
+            <a:r>
+              <a:rPr lang="zh-TW" altLang="en-US" sz="6000" b="1" dirty="0">
+                <a:solidFill>
+                  <a:srgbClr val="660033"/>
+                </a:solidFill>
+                <a:latin typeface="微軟正黑體" pitchFamily="34" charset="-120"/>
+                <a:ea typeface="微軟正黑體" pitchFamily="34" charset="-120"/>
+              </a:rPr>
+              <a:t>主榮</a:t>
+            </a:r>
+            <a:r>
+              <a:rPr lang="zh-TW" altLang="en-US" sz="6000" b="1" dirty="0" smtClean="0">
+                <a:solidFill>
+                  <a:srgbClr val="660033"/>
+                </a:solidFill>
+                <a:latin typeface="微軟正黑體" pitchFamily="34" charset="-120"/>
+                <a:ea typeface="微軟正黑體" pitchFamily="34" charset="-120"/>
+              </a:rPr>
+              <a:t>日中</a:t>
+            </a:r>
+            <a:endParaRPr lang="en-US" altLang="zh-TW" sz="6000" b="1" dirty="0" smtClean="0">
               <a:solidFill>
                 <a:srgbClr val="660033"/>
               </a:solidFill>
@@ -3383,16 +3634,56 @@
               <a:buNone/>
             </a:pPr>
             <a:r>
-              <a:rPr lang="zh-TW" altLang="en-US" sz="5400" b="1" dirty="0" smtClean="0">
-                <a:solidFill>
-                  <a:srgbClr val="660033"/>
-                </a:solidFill>
-                <a:latin typeface="微軟正黑體" pitchFamily="34" charset="-120"/>
-                <a:ea typeface="微軟正黑體" pitchFamily="34" charset="-120"/>
-              </a:rPr>
-              <a:t>直到仇敵皆敗負</a:t>
-            </a:r>
-            <a:endParaRPr lang="en-US" altLang="zh-TW" sz="5400" b="1" dirty="0" smtClean="0">
+              <a:rPr lang="zh-TW" altLang="en-US" sz="6000" b="1" dirty="0">
+                <a:solidFill>
+                  <a:srgbClr val="660033"/>
+                </a:solidFill>
+                <a:latin typeface="微軟正黑體" pitchFamily="34" charset="-120"/>
+                <a:ea typeface="微軟正黑體" pitchFamily="34" charset="-120"/>
+              </a:rPr>
+              <a:t>既為精兵必忠</a:t>
+            </a:r>
+            <a:r>
+              <a:rPr lang="zh-TW" altLang="en-US" sz="6000" b="1" dirty="0" smtClean="0">
+                <a:solidFill>
+                  <a:srgbClr val="660033"/>
+                </a:solidFill>
+                <a:latin typeface="微軟正黑體" pitchFamily="34" charset="-120"/>
+                <a:ea typeface="微軟正黑體" pitchFamily="34" charset="-120"/>
+              </a:rPr>
+              <a:t>主</a:t>
+            </a:r>
+            <a:r>
+              <a:rPr lang="en-US" altLang="zh-TW" sz="6000" b="1" dirty="0" smtClean="0">
+                <a:solidFill>
+                  <a:srgbClr val="660033"/>
+                </a:solidFill>
+                <a:latin typeface="微軟正黑體" pitchFamily="34" charset="-120"/>
+                <a:ea typeface="微軟正黑體" pitchFamily="34" charset="-120"/>
+              </a:rPr>
+              <a:t>  </a:t>
+            </a:r>
+            <a:r>
+              <a:rPr lang="zh-TW" altLang="en-US" sz="6000" b="1" dirty="0" smtClean="0">
+                <a:solidFill>
+                  <a:srgbClr val="660033"/>
+                </a:solidFill>
+                <a:latin typeface="微軟正黑體" pitchFamily="34" charset="-120"/>
+                <a:ea typeface="微軟正黑體" pitchFamily="34" charset="-120"/>
+              </a:rPr>
+              <a:t>奮</a:t>
+            </a:r>
+            <a:r>
+              <a:rPr lang="zh-TW" altLang="en-US" sz="6000" b="1" dirty="0">
+                <a:solidFill>
+                  <a:srgbClr val="660033"/>
+                </a:solidFill>
+                <a:latin typeface="微軟正黑體" pitchFamily="34" charset="-120"/>
+                <a:ea typeface="微軟正黑體" pitchFamily="34" charset="-120"/>
+              </a:rPr>
+              <a:t>抵無數仇敵</a:t>
+            </a:r>
+            <a:endParaRPr lang="en-US" altLang="zh-TW" sz="6000" b="1" dirty="0">
               <a:solidFill>
                 <a:srgbClr val="660033"/>
               </a:solidFill>
@@ -3405,15 +3696,67 @@
               <a:buNone/>
             </a:pPr>
             <a:r>
-              <a:rPr lang="zh-TW" altLang="en-US" sz="5400" b="1" dirty="0" smtClean="0">
-                <a:solidFill>
-                  <a:srgbClr val="660033"/>
-                </a:solidFill>
-                <a:latin typeface="微軟正黑體" pitchFamily="34" charset="-120"/>
-                <a:ea typeface="微軟正黑體" pitchFamily="34" charset="-120"/>
-              </a:rPr>
-              <a:t>惟有基督是君</a:t>
-            </a:r>
+              <a:rPr lang="zh-TW" altLang="en-US" sz="6000" b="1" dirty="0">
+                <a:solidFill>
+                  <a:srgbClr val="660033"/>
+                </a:solidFill>
+                <a:latin typeface="微軟正黑體" pitchFamily="34" charset="-120"/>
+                <a:ea typeface="微軟正黑體" pitchFamily="34" charset="-120"/>
+              </a:rPr>
+              <a:t>豪膽因險更</a:t>
+            </a:r>
+            <a:r>
+              <a:rPr lang="zh-TW" altLang="en-US" sz="6000" b="1" dirty="0" smtClean="0">
+                <a:solidFill>
+                  <a:srgbClr val="660033"/>
+                </a:solidFill>
+                <a:latin typeface="微軟正黑體" pitchFamily="34" charset="-120"/>
+                <a:ea typeface="微軟正黑體" pitchFamily="34" charset="-120"/>
+              </a:rPr>
+              <a:t>增長</a:t>
+            </a:r>
+            <a:r>
+              <a:rPr lang="en-US" altLang="zh-TW" sz="6000" b="1" dirty="0" smtClean="0">
+                <a:solidFill>
+                  <a:srgbClr val="660033"/>
+                </a:solidFill>
+                <a:latin typeface="微軟正黑體" pitchFamily="34" charset="-120"/>
+                <a:ea typeface="微軟正黑體" pitchFamily="34" charset="-120"/>
+              </a:rPr>
+              <a:t>  </a:t>
+            </a:r>
+            <a:r>
+              <a:rPr lang="zh-TW" altLang="en-US" sz="6000" b="1" dirty="0" smtClean="0">
+                <a:solidFill>
+                  <a:srgbClr val="660033"/>
+                </a:solidFill>
+                <a:latin typeface="微軟正黑體" pitchFamily="34" charset="-120"/>
+                <a:ea typeface="微軟正黑體" pitchFamily="34" charset="-120"/>
+              </a:rPr>
+              <a:t>戰力</a:t>
+            </a:r>
+            <a:r>
+              <a:rPr lang="zh-TW" altLang="en-US" sz="6000" b="1" dirty="0">
+                <a:solidFill>
+                  <a:srgbClr val="660033"/>
+                </a:solidFill>
+                <a:latin typeface="微軟正黑體" pitchFamily="34" charset="-120"/>
+                <a:ea typeface="微軟正黑體" pitchFamily="34" charset="-120"/>
+              </a:rPr>
+              <a:t>遇敵更益</a:t>
+            </a:r>
+          </a:p>
+          <a:p>
+            <a:pPr algn="ctr">
+              <a:buNone/>
+            </a:pPr>
+            <a:endParaRPr lang="zh-TW" altLang="en-US" sz="6000" b="1" dirty="0">
+              <a:solidFill>
+                <a:srgbClr val="660033"/>
+              </a:solidFill>
+              <a:latin typeface="微軟正黑體" pitchFamily="34" charset="-120"/>
+              <a:ea typeface="微軟正黑體" pitchFamily="34" charset="-120"/>
+            </a:endParaRPr>
           </a:p>
         </p:txBody>
       </p:sp>
@@ -3454,11 +3797,13 @@
         </p:nvSpPr>
         <p:spPr/>
         <p:txBody>
-          <a:bodyPr/>
-          <a:lstStyle/>
-          <a:p>
-            <a:r>
-              <a:rPr lang="zh-TW" altLang="en-US" b="1" dirty="0">
+          <a:bodyPr>
+            <a:normAutofit/>
+          </a:bodyPr>
+          <a:lstStyle/>
+          <a:p>
+            <a:r>
+              <a:rPr lang="zh-TW" altLang="en-US" sz="4800" b="1" dirty="0">
                 <a:solidFill>
                   <a:srgbClr val="660033"/>
                 </a:solidFill>
@@ -3482,8 +3827,8 @@
         </p:nvSpPr>
         <p:spPr>
           <a:xfrm>
-            <a:off x="0" y="1600200"/>
-            <a:ext cx="9144000" cy="4525963"/>
+            <a:off x="0" y="1600201"/>
+            <a:ext cx="12192000" cy="4525963"/>
           </a:xfrm>
         </p:spPr>
         <p:txBody>
@@ -3496,16 +3841,56 @@
               <a:buNone/>
             </a:pPr>
             <a:r>
-              <a:rPr lang="zh-TW" altLang="en-US" sz="5400" b="1" dirty="0" smtClean="0">
-                <a:solidFill>
-                  <a:srgbClr val="660033"/>
-                </a:solidFill>
-                <a:latin typeface="微軟正黑體" pitchFamily="34" charset="-120"/>
-                <a:ea typeface="微軟正黑體" pitchFamily="34" charset="-120"/>
-              </a:rPr>
-              <a:t>盡忠盡忠為耶穌</a:t>
-            </a:r>
-            <a:endParaRPr lang="en-US" altLang="zh-TW" sz="5400" b="1" dirty="0" smtClean="0">
+              <a:rPr lang="zh-TW" altLang="en-US" sz="6000" b="1" dirty="0">
+                <a:solidFill>
+                  <a:srgbClr val="660033"/>
+                </a:solidFill>
+                <a:latin typeface="微軟正黑體" pitchFamily="34" charset="-120"/>
+                <a:ea typeface="微軟正黑體" pitchFamily="34" charset="-120"/>
+              </a:rPr>
+              <a:t>盡忠盡忠為</a:t>
+            </a:r>
+            <a:r>
+              <a:rPr lang="zh-TW" altLang="en-US" sz="6000" b="1" dirty="0" smtClean="0">
+                <a:solidFill>
+                  <a:srgbClr val="660033"/>
+                </a:solidFill>
+                <a:latin typeface="微軟正黑體" pitchFamily="34" charset="-120"/>
+                <a:ea typeface="微軟正黑體" pitchFamily="34" charset="-120"/>
+              </a:rPr>
+              <a:t>耶穌</a:t>
+            </a:r>
+            <a:r>
+              <a:rPr lang="en-US" altLang="zh-TW" sz="6000" b="1" dirty="0">
+                <a:solidFill>
+                  <a:srgbClr val="660033"/>
+                </a:solidFill>
+                <a:latin typeface="微軟正黑體" pitchFamily="34" charset="-120"/>
+                <a:ea typeface="微軟正黑體" pitchFamily="34" charset="-120"/>
+              </a:rPr>
+              <a:t> </a:t>
+            </a:r>
+            <a:r>
+              <a:rPr lang="en-US" altLang="zh-TW" sz="6000" b="1" dirty="0" smtClean="0">
+                <a:solidFill>
+                  <a:srgbClr val="660033"/>
+                </a:solidFill>
+                <a:latin typeface="微軟正黑體" pitchFamily="34" charset="-120"/>
+                <a:ea typeface="微軟正黑體" pitchFamily="34" charset="-120"/>
+              </a:rPr>
+              <a:t> </a:t>
+            </a:r>
+            <a:r>
+              <a:rPr lang="zh-TW" altLang="en-US" sz="6000" b="1" dirty="0" smtClean="0">
+                <a:solidFill>
+                  <a:srgbClr val="660033"/>
+                </a:solidFill>
+                <a:latin typeface="微軟正黑體" pitchFamily="34" charset="-120"/>
+                <a:ea typeface="微軟正黑體" pitchFamily="34" charset="-120"/>
+              </a:rPr>
+              <a:t>作戰單賴主力</a:t>
+            </a:r>
+            <a:endParaRPr lang="en-US" altLang="zh-TW" sz="6000" b="1" dirty="0" smtClean="0">
               <a:solidFill>
                 <a:srgbClr val="660033"/>
               </a:solidFill>
@@ -3518,16 +3903,86 @@
               <a:buNone/>
             </a:pPr>
             <a:r>
-              <a:rPr lang="zh-TW" altLang="en-US" sz="5400" b="1" dirty="0" smtClean="0">
-                <a:solidFill>
-                  <a:srgbClr val="660033"/>
-                </a:solidFill>
-                <a:latin typeface="微軟正黑體" pitchFamily="34" charset="-120"/>
-                <a:ea typeface="微軟正黑體" pitchFamily="34" charset="-120"/>
-              </a:rPr>
-              <a:t>號令仍是服從</a:t>
-            </a:r>
-            <a:endParaRPr lang="en-US" altLang="zh-TW" sz="5400" b="1" dirty="0" smtClean="0">
+              <a:rPr lang="zh-TW" altLang="en-US" sz="6000" b="1" dirty="0" smtClean="0">
+                <a:solidFill>
+                  <a:srgbClr val="660033"/>
+                </a:solidFill>
+                <a:latin typeface="微軟正黑體" pitchFamily="34" charset="-120"/>
+                <a:ea typeface="微軟正黑體" pitchFamily="34" charset="-120"/>
+              </a:rPr>
+              <a:t>肉體</a:t>
+            </a:r>
+            <a:r>
+              <a:rPr lang="zh-TW" altLang="en-US" sz="6000" b="1" dirty="0">
+                <a:solidFill>
+                  <a:srgbClr val="660033"/>
+                </a:solidFill>
+                <a:latin typeface="微軟正黑體" pitchFamily="34" charset="-120"/>
+                <a:ea typeface="微軟正黑體" pitchFamily="34" charset="-120"/>
+              </a:rPr>
+              <a:t>武器必退</a:t>
+            </a:r>
+            <a:r>
+              <a:rPr lang="zh-TW" altLang="en-US" sz="6000" b="1" dirty="0" smtClean="0">
+                <a:solidFill>
+                  <a:srgbClr val="660033"/>
+                </a:solidFill>
+                <a:latin typeface="微軟正黑體" pitchFamily="34" charset="-120"/>
+                <a:ea typeface="微軟正黑體" pitchFamily="34" charset="-120"/>
+              </a:rPr>
+              <a:t>敗</a:t>
+            </a:r>
+            <a:r>
+              <a:rPr lang="en-US" altLang="zh-TW" sz="6000" b="1" dirty="0">
+                <a:solidFill>
+                  <a:srgbClr val="660033"/>
+                </a:solidFill>
+                <a:latin typeface="微軟正黑體" pitchFamily="34" charset="-120"/>
+                <a:ea typeface="微軟正黑體" pitchFamily="34" charset="-120"/>
+              </a:rPr>
+              <a:t> </a:t>
+            </a:r>
+            <a:r>
+              <a:rPr lang="en-US" altLang="zh-TW" sz="6000" b="1" dirty="0" smtClean="0">
+                <a:solidFill>
+                  <a:srgbClr val="660033"/>
+                </a:solidFill>
+                <a:latin typeface="微軟正黑體" pitchFamily="34" charset="-120"/>
+                <a:ea typeface="微軟正黑體" pitchFamily="34" charset="-120"/>
+              </a:rPr>
+              <a:t> </a:t>
+            </a:r>
+            <a:r>
+              <a:rPr lang="zh-TW" altLang="en-US" sz="6000" b="1" dirty="0" smtClean="0">
+                <a:solidFill>
+                  <a:srgbClr val="660033"/>
+                </a:solidFill>
+                <a:latin typeface="微軟正黑體" pitchFamily="34" charset="-120"/>
+                <a:ea typeface="微軟正黑體" pitchFamily="34" charset="-120"/>
+              </a:rPr>
+              <a:t>不敢</a:t>
+            </a:r>
+            <a:r>
+              <a:rPr lang="zh-TW" altLang="en-US" sz="6000" b="1" dirty="0">
+                <a:solidFill>
+                  <a:srgbClr val="660033"/>
+                </a:solidFill>
+                <a:latin typeface="微軟正黑體" pitchFamily="34" charset="-120"/>
+                <a:ea typeface="微軟正黑體" pitchFamily="34" charset="-120"/>
+              </a:rPr>
+              <a:t>恃靠</a:t>
+            </a:r>
+            <a:r>
+              <a:rPr lang="zh-TW" altLang="en-US" sz="6000" b="1" dirty="0" smtClean="0">
+                <a:solidFill>
+                  <a:srgbClr val="660033"/>
+                </a:solidFill>
+                <a:latin typeface="微軟正黑體" pitchFamily="34" charset="-120"/>
+                <a:ea typeface="微軟正黑體" pitchFamily="34" charset="-120"/>
+              </a:rPr>
+              <a:t>自己</a:t>
+            </a:r>
+            <a:endParaRPr lang="en-US" altLang="zh-TW" sz="6000" b="1" dirty="0" smtClean="0">
               <a:solidFill>
                 <a:srgbClr val="660033"/>
               </a:solidFill>
@@ -3540,16 +3995,56 @@
               <a:buNone/>
             </a:pPr>
             <a:r>
-              <a:rPr lang="zh-TW" altLang="en-US" sz="5400" b="1" dirty="0" smtClean="0">
-                <a:solidFill>
-                  <a:srgbClr val="660033"/>
-                </a:solidFill>
-                <a:latin typeface="微軟正黑體" pitchFamily="34" charset="-120"/>
-                <a:ea typeface="微軟正黑體" pitchFamily="34" charset="-120"/>
-              </a:rPr>
-              <a:t>勇往直臨大戰場</a:t>
-            </a:r>
-            <a:endParaRPr lang="en-US" altLang="zh-TW" sz="5400" b="1" dirty="0" smtClean="0">
+              <a:rPr lang="zh-TW" altLang="en-US" sz="6000" b="1" dirty="0">
+                <a:solidFill>
+                  <a:srgbClr val="660033"/>
+                </a:solidFill>
+                <a:latin typeface="微軟正黑體" pitchFamily="34" charset="-120"/>
+                <a:ea typeface="微軟正黑體" pitchFamily="34" charset="-120"/>
+              </a:rPr>
+              <a:t>信徒盔甲該</a:t>
+            </a:r>
+            <a:r>
+              <a:rPr lang="zh-TW" altLang="en-US" sz="6000" b="1" dirty="0" smtClean="0">
+                <a:solidFill>
+                  <a:srgbClr val="660033"/>
+                </a:solidFill>
+                <a:latin typeface="微軟正黑體" pitchFamily="34" charset="-120"/>
+                <a:ea typeface="微軟正黑體" pitchFamily="34" charset="-120"/>
+              </a:rPr>
+              <a:t>穿戴</a:t>
+            </a:r>
+            <a:r>
+              <a:rPr lang="en-US" altLang="zh-TW" sz="6000" b="1" dirty="0" smtClean="0">
+                <a:solidFill>
+                  <a:srgbClr val="660033"/>
+                </a:solidFill>
+                <a:latin typeface="微軟正黑體" pitchFamily="34" charset="-120"/>
+                <a:ea typeface="微軟正黑體" pitchFamily="34" charset="-120"/>
+              </a:rPr>
+              <a:t>  </a:t>
+            </a:r>
+            <a:r>
+              <a:rPr lang="zh-TW" altLang="en-US" sz="6000" b="1" dirty="0" smtClean="0">
+                <a:solidFill>
+                  <a:srgbClr val="660033"/>
+                </a:solidFill>
+                <a:latin typeface="微軟正黑體" pitchFamily="34" charset="-120"/>
+                <a:ea typeface="微軟正黑體" pitchFamily="34" charset="-120"/>
+              </a:rPr>
+              <a:t>儆</a:t>
+            </a:r>
+            <a:r>
+              <a:rPr lang="zh-TW" altLang="en-US" sz="6000" b="1" dirty="0">
+                <a:solidFill>
+                  <a:srgbClr val="660033"/>
+                </a:solidFill>
+                <a:latin typeface="微軟正黑體" pitchFamily="34" charset="-120"/>
+                <a:ea typeface="微軟正黑體" pitchFamily="34" charset="-120"/>
+              </a:rPr>
+              <a:t>醒時常禱祈</a:t>
+            </a:r>
+            <a:endParaRPr lang="en-US" altLang="zh-TW" sz="6000" b="1" dirty="0">
               <a:solidFill>
                 <a:srgbClr val="660033"/>
               </a:solidFill>
@@ -3562,15 +4057,67 @@
               <a:buNone/>
             </a:pPr>
             <a:r>
-              <a:rPr lang="zh-TW" altLang="en-US" sz="5400" b="1" dirty="0" smtClean="0">
-                <a:solidFill>
-                  <a:srgbClr val="660033"/>
-                </a:solidFill>
-                <a:latin typeface="微軟正黑體" pitchFamily="34" charset="-120"/>
-                <a:ea typeface="微軟正黑體" pitchFamily="34" charset="-120"/>
-              </a:rPr>
-              <a:t>在此主榮日中</a:t>
-            </a:r>
+              <a:rPr lang="zh-TW" altLang="en-US" sz="6000" b="1" dirty="0">
+                <a:solidFill>
+                  <a:srgbClr val="660033"/>
+                </a:solidFill>
+                <a:latin typeface="微軟正黑體" pitchFamily="34" charset="-120"/>
+                <a:ea typeface="微軟正黑體" pitchFamily="34" charset="-120"/>
+              </a:rPr>
+              <a:t>應盡本份當</a:t>
+            </a:r>
+            <a:r>
+              <a:rPr lang="zh-TW" altLang="en-US" sz="6000" b="1" dirty="0" smtClean="0">
+                <a:solidFill>
+                  <a:srgbClr val="660033"/>
+                </a:solidFill>
+                <a:latin typeface="微軟正黑體" pitchFamily="34" charset="-120"/>
+                <a:ea typeface="微軟正黑體" pitchFamily="34" charset="-120"/>
+              </a:rPr>
+              <a:t>完成</a:t>
+            </a:r>
+            <a:r>
+              <a:rPr lang="en-US" altLang="zh-TW" sz="6000" b="1" dirty="0" smtClean="0">
+                <a:solidFill>
+                  <a:srgbClr val="660033"/>
+                </a:solidFill>
+                <a:latin typeface="微軟正黑體" pitchFamily="34" charset="-120"/>
+                <a:ea typeface="微軟正黑體" pitchFamily="34" charset="-120"/>
+              </a:rPr>
+              <a:t>  </a:t>
+            </a:r>
+            <a:r>
+              <a:rPr lang="zh-TW" altLang="en-US" sz="6000" b="1" dirty="0" smtClean="0">
+                <a:solidFill>
+                  <a:srgbClr val="660033"/>
+                </a:solidFill>
+                <a:latin typeface="微軟正黑體" pitchFamily="34" charset="-120"/>
+                <a:ea typeface="微軟正黑體" pitchFamily="34" charset="-120"/>
+              </a:rPr>
+              <a:t>艱難</a:t>
+            </a:r>
+            <a:r>
+              <a:rPr lang="zh-TW" altLang="en-US" sz="6000" b="1" dirty="0">
+                <a:solidFill>
+                  <a:srgbClr val="660033"/>
+                </a:solidFill>
+                <a:latin typeface="微軟正黑體" pitchFamily="34" charset="-120"/>
+                <a:ea typeface="微軟正黑體" pitchFamily="34" charset="-120"/>
+              </a:rPr>
+              <a:t>不以為奇</a:t>
+            </a:r>
+          </a:p>
+          <a:p>
+            <a:pPr algn="ctr">
+              <a:buNone/>
+            </a:pPr>
+            <a:endParaRPr lang="zh-TW" altLang="en-US" sz="6000" b="1" dirty="0">
+              <a:solidFill>
+                <a:srgbClr val="660033"/>
+              </a:solidFill>
+              <a:latin typeface="微軟正黑體" pitchFamily="34" charset="-120"/>
+              <a:ea typeface="微軟正黑體" pitchFamily="34" charset="-120"/>
+            </a:endParaRPr>
           </a:p>
         </p:txBody>
       </p:sp>
@@ -3611,11 +4158,13 @@
         </p:nvSpPr>
         <p:spPr/>
         <p:txBody>
-          <a:bodyPr/>
-          <a:lstStyle/>
-          <a:p>
-            <a:r>
-              <a:rPr lang="zh-TW" altLang="en-US" b="1" dirty="0">
+          <a:bodyPr>
+            <a:normAutofit/>
+          </a:bodyPr>
+          <a:lstStyle/>
+          <a:p>
+            <a:r>
+              <a:rPr lang="zh-TW" altLang="en-US" sz="4800" b="1" dirty="0">
                 <a:solidFill>
                   <a:srgbClr val="660033"/>
                 </a:solidFill>
@@ -3639,8 +4188,8 @@
         </p:nvSpPr>
         <p:spPr>
           <a:xfrm>
-            <a:off x="0" y="1600200"/>
-            <a:ext cx="9144000" cy="4525963"/>
+            <a:off x="0" y="1600201"/>
+            <a:ext cx="12192000" cy="4525963"/>
           </a:xfrm>
         </p:spPr>
         <p:txBody>
@@ -3653,16 +4202,66 @@
               <a:buNone/>
             </a:pPr>
             <a:r>
-              <a:rPr lang="zh-TW" altLang="en-US" sz="5400" b="1" dirty="0" smtClean="0">
-                <a:solidFill>
-                  <a:srgbClr val="660033"/>
-                </a:solidFill>
-                <a:latin typeface="微軟正黑體" pitchFamily="34" charset="-120"/>
-                <a:ea typeface="微軟正黑體" pitchFamily="34" charset="-120"/>
-              </a:rPr>
-              <a:t>既為精兵必忠主</a:t>
-            </a:r>
-            <a:endParaRPr lang="en-US" altLang="zh-TW" sz="5400" b="1" dirty="0" smtClean="0">
+              <a:rPr lang="zh-TW" altLang="en-US" sz="6000" b="1" dirty="0">
+                <a:solidFill>
+                  <a:srgbClr val="660033"/>
+                </a:solidFill>
+                <a:latin typeface="微軟正黑體" pitchFamily="34" charset="-120"/>
+                <a:ea typeface="微軟正黑體" pitchFamily="34" charset="-120"/>
+              </a:rPr>
+              <a:t>盡忠盡忠為</a:t>
+            </a:r>
+            <a:r>
+              <a:rPr lang="zh-TW" altLang="en-US" sz="6000" b="1" dirty="0" smtClean="0">
+                <a:solidFill>
+                  <a:srgbClr val="660033"/>
+                </a:solidFill>
+                <a:latin typeface="微軟正黑體" pitchFamily="34" charset="-120"/>
+                <a:ea typeface="微軟正黑體" pitchFamily="34" charset="-120"/>
+              </a:rPr>
+              <a:t>耶穌</a:t>
+            </a:r>
+            <a:r>
+              <a:rPr lang="en-US" altLang="zh-TW" sz="6000" b="1" dirty="0">
+                <a:solidFill>
+                  <a:srgbClr val="660033"/>
+                </a:solidFill>
+                <a:latin typeface="微軟正黑體" pitchFamily="34" charset="-120"/>
+                <a:ea typeface="微軟正黑體" pitchFamily="34" charset="-120"/>
+              </a:rPr>
+              <a:t> </a:t>
+            </a:r>
+            <a:r>
+              <a:rPr lang="en-US" altLang="zh-TW" sz="6000" b="1" dirty="0" smtClean="0">
+                <a:solidFill>
+                  <a:srgbClr val="660033"/>
+                </a:solidFill>
+                <a:latin typeface="微軟正黑體" pitchFamily="34" charset="-120"/>
+                <a:ea typeface="微軟正黑體" pitchFamily="34" charset="-120"/>
+              </a:rPr>
+              <a:t> </a:t>
+            </a:r>
+            <a:r>
+              <a:rPr lang="zh-TW" altLang="en-US" sz="6000" b="1" dirty="0" smtClean="0">
+                <a:solidFill>
+                  <a:srgbClr val="660033"/>
+                </a:solidFill>
+                <a:latin typeface="微軟正黑體" pitchFamily="34" charset="-120"/>
+                <a:ea typeface="微軟正黑體" pitchFamily="34" charset="-120"/>
+              </a:rPr>
+              <a:t>交戰</a:t>
+            </a:r>
+            <a:r>
+              <a:rPr lang="zh-TW" altLang="en-US" sz="6000" b="1" dirty="0">
+                <a:solidFill>
+                  <a:srgbClr val="660033"/>
+                </a:solidFill>
+                <a:latin typeface="微軟正黑體" pitchFamily="34" charset="-120"/>
+                <a:ea typeface="微軟正黑體" pitchFamily="34" charset="-120"/>
+              </a:rPr>
+              <a:t>時日無多</a:t>
+            </a:r>
+            <a:endParaRPr lang="en-US" altLang="zh-TW" sz="6000" b="1" dirty="0">
               <a:solidFill>
                 <a:srgbClr val="660033"/>
               </a:solidFill>
@@ -3675,16 +4274,76 @@
               <a:buNone/>
             </a:pPr>
             <a:r>
-              <a:rPr lang="zh-TW" altLang="en-US" sz="5400" b="1" dirty="0" smtClean="0">
-                <a:solidFill>
-                  <a:srgbClr val="660033"/>
-                </a:solidFill>
-                <a:latin typeface="微軟正黑體" pitchFamily="34" charset="-120"/>
-                <a:ea typeface="微軟正黑體" pitchFamily="34" charset="-120"/>
-              </a:rPr>
-              <a:t>奮抵無數仇敵</a:t>
-            </a:r>
-            <a:endParaRPr lang="en-US" altLang="zh-TW" sz="5400" b="1" dirty="0" smtClean="0">
+              <a:rPr lang="zh-TW" altLang="en-US" sz="6000" b="1" dirty="0">
+                <a:solidFill>
+                  <a:srgbClr val="660033"/>
+                </a:solidFill>
+                <a:latin typeface="微軟正黑體" pitchFamily="34" charset="-120"/>
+                <a:ea typeface="微軟正黑體" pitchFamily="34" charset="-120"/>
+              </a:rPr>
+              <a:t>今日雖聞干戈</a:t>
+            </a:r>
+            <a:r>
+              <a:rPr lang="zh-TW" altLang="en-US" sz="6000" b="1" dirty="0" smtClean="0">
+                <a:solidFill>
+                  <a:srgbClr val="660033"/>
+                </a:solidFill>
+                <a:latin typeface="微軟正黑體" pitchFamily="34" charset="-120"/>
+                <a:ea typeface="微軟正黑體" pitchFamily="34" charset="-120"/>
+              </a:rPr>
+              <a:t>聲</a:t>
+            </a:r>
+            <a:r>
+              <a:rPr lang="en-US" altLang="zh-TW" sz="6000" b="1" dirty="0">
+                <a:solidFill>
+                  <a:srgbClr val="660033"/>
+                </a:solidFill>
+                <a:latin typeface="微軟正黑體" pitchFamily="34" charset="-120"/>
+                <a:ea typeface="微軟正黑體" pitchFamily="34" charset="-120"/>
+              </a:rPr>
+              <a:t> </a:t>
+            </a:r>
+            <a:r>
+              <a:rPr lang="en-US" altLang="zh-TW" sz="6000" b="1" dirty="0" smtClean="0">
+                <a:solidFill>
+                  <a:srgbClr val="660033"/>
+                </a:solidFill>
+                <a:latin typeface="微軟正黑體" pitchFamily="34" charset="-120"/>
+                <a:ea typeface="微軟正黑體" pitchFamily="34" charset="-120"/>
+              </a:rPr>
+              <a:t> </a:t>
+            </a:r>
+            <a:r>
+              <a:rPr lang="zh-TW" altLang="en-US" sz="6000" b="1" dirty="0" smtClean="0">
+                <a:solidFill>
+                  <a:srgbClr val="660033"/>
+                </a:solidFill>
+                <a:latin typeface="微軟正黑體" pitchFamily="34" charset="-120"/>
+                <a:ea typeface="微軟正黑體" pitchFamily="34" charset="-120"/>
+              </a:rPr>
+              <a:t>明日</a:t>
+            </a:r>
+            <a:r>
+              <a:rPr lang="zh-TW" altLang="en-US" sz="6000" b="1" dirty="0">
+                <a:solidFill>
+                  <a:srgbClr val="660033"/>
+                </a:solidFill>
+                <a:latin typeface="微軟正黑體" pitchFamily="34" charset="-120"/>
+                <a:ea typeface="微軟正黑體" pitchFamily="34" charset="-120"/>
+              </a:rPr>
+              <a:t>即奏凱</a:t>
+            </a:r>
+            <a:r>
+              <a:rPr lang="zh-TW" altLang="en-US" sz="6000" b="1" dirty="0" smtClean="0">
+                <a:solidFill>
+                  <a:srgbClr val="660033"/>
+                </a:solidFill>
+                <a:latin typeface="微軟正黑體" pitchFamily="34" charset="-120"/>
+                <a:ea typeface="微軟正黑體" pitchFamily="34" charset="-120"/>
+              </a:rPr>
+              <a:t>歌</a:t>
+            </a:r>
+            <a:endParaRPr lang="en-US" altLang="zh-TW" sz="6000" b="1" dirty="0" smtClean="0">
               <a:solidFill>
                 <a:srgbClr val="660033"/>
               </a:solidFill>
@@ -3697,16 +4356,56 @@
               <a:buNone/>
             </a:pPr>
             <a:r>
-              <a:rPr lang="zh-TW" altLang="en-US" sz="5400" b="1" dirty="0" smtClean="0">
-                <a:solidFill>
-                  <a:srgbClr val="660033"/>
-                </a:solidFill>
-                <a:latin typeface="微軟正黑體" pitchFamily="34" charset="-120"/>
-                <a:ea typeface="微軟正黑體" pitchFamily="34" charset="-120"/>
-              </a:rPr>
-              <a:t>豪膽因險更增長</a:t>
-            </a:r>
-            <a:endParaRPr lang="en-US" altLang="zh-TW" sz="5400" b="1" dirty="0" smtClean="0">
+              <a:rPr lang="zh-TW" altLang="en-US" sz="6000" b="1" dirty="0">
+                <a:solidFill>
+                  <a:srgbClr val="660033"/>
+                </a:solidFill>
+                <a:latin typeface="微軟正黑體" pitchFamily="34" charset="-120"/>
+                <a:ea typeface="微軟正黑體" pitchFamily="34" charset="-120"/>
+              </a:rPr>
+              <a:t>凡為出力得勝</a:t>
+            </a:r>
+            <a:r>
+              <a:rPr lang="zh-TW" altLang="en-US" sz="6000" b="1" dirty="0" smtClean="0">
+                <a:solidFill>
+                  <a:srgbClr val="660033"/>
+                </a:solidFill>
+                <a:latin typeface="微軟正黑體" pitchFamily="34" charset="-120"/>
+                <a:ea typeface="微軟正黑體" pitchFamily="34" charset="-120"/>
+              </a:rPr>
+              <a:t>者</a:t>
+            </a:r>
+            <a:r>
+              <a:rPr lang="en-US" altLang="zh-TW" sz="6000" b="1" dirty="0" smtClean="0">
+                <a:solidFill>
+                  <a:srgbClr val="660033"/>
+                </a:solidFill>
+                <a:latin typeface="微軟正黑體" pitchFamily="34" charset="-120"/>
+                <a:ea typeface="微軟正黑體" pitchFamily="34" charset="-120"/>
+              </a:rPr>
+              <a:t>  </a:t>
+            </a:r>
+            <a:r>
+              <a:rPr lang="zh-TW" altLang="en-US" sz="6000" b="1" dirty="0" smtClean="0">
+                <a:solidFill>
+                  <a:srgbClr val="660033"/>
+                </a:solidFill>
+                <a:latin typeface="微軟正黑體" pitchFamily="34" charset="-120"/>
+                <a:ea typeface="微軟正黑體" pitchFamily="34" charset="-120"/>
+              </a:rPr>
+              <a:t>必得</a:t>
+            </a:r>
+            <a:r>
+              <a:rPr lang="zh-TW" altLang="en-US" sz="6000" b="1" dirty="0">
+                <a:solidFill>
+                  <a:srgbClr val="660033"/>
+                </a:solidFill>
+                <a:latin typeface="微軟正黑體" pitchFamily="34" charset="-120"/>
+                <a:ea typeface="微軟正黑體" pitchFamily="34" charset="-120"/>
+              </a:rPr>
+              <a:t>生命冠冕</a:t>
+            </a:r>
+            <a:endParaRPr lang="en-US" altLang="zh-TW" sz="6000" b="1" dirty="0">
               <a:solidFill>
                 <a:srgbClr val="660033"/>
               </a:solidFill>
@@ -3719,653 +4418,67 @@
               <a:buNone/>
             </a:pPr>
             <a:r>
-              <a:rPr lang="zh-TW" altLang="en-US" sz="5400" b="1" dirty="0" smtClean="0">
-                <a:solidFill>
-                  <a:srgbClr val="660033"/>
-                </a:solidFill>
-                <a:latin typeface="微軟正黑體" pitchFamily="34" charset="-120"/>
-                <a:ea typeface="微軟正黑體" pitchFamily="34" charset="-120"/>
-              </a:rPr>
-              <a:t>戰力遇敵更益</a:t>
-            </a:r>
-          </a:p>
-        </p:txBody>
-      </p:sp>
-    </p:spTree>
-  </p:cSld>
-  <p:clrMapOvr>
-    <a:masterClrMapping/>
-  </p:clrMapOvr>
-</p:sld>
-</file>
-
-<file path=ppt/slides/slide5.xml><?xml version="1.0" encoding="utf-8"?>
-<p:sld xmlns:a="http://schemas.openxmlformats.org/drawingml/2006/main" xmlns:r="http://schemas.openxmlformats.org/officeDocument/2006/relationships" xmlns:p="http://schemas.openxmlformats.org/presentationml/2006/main">
-  <p:cSld>
-    <p:spTree>
-      <p:nvGrpSpPr>
-        <p:cNvPr id="1" name=""/>
-        <p:cNvGrpSpPr/>
-        <p:nvPr/>
-      </p:nvGrpSpPr>
-      <p:grpSpPr>
-        <a:xfrm>
-          <a:off x="0" y="0"/>
-          <a:ext cx="0" cy="0"/>
-          <a:chOff x="0" y="0"/>
-          <a:chExt cx="0" cy="0"/>
-        </a:xfrm>
-      </p:grpSpPr>
-      <p:sp>
-        <p:nvSpPr>
-          <p:cNvPr id="4" name="標題 3"/>
-          <p:cNvSpPr>
-            <a:spLocks noGrp="1"/>
-          </p:cNvSpPr>
-          <p:nvPr>
-            <p:ph type="title"/>
-          </p:nvPr>
-        </p:nvSpPr>
-        <p:spPr/>
-        <p:txBody>
-          <a:bodyPr/>
-          <a:lstStyle/>
-          <a:p>
-            <a:r>
-              <a:rPr lang="zh-TW" altLang="en-US" b="1" dirty="0">
-                <a:solidFill>
-                  <a:srgbClr val="660033"/>
-                </a:solidFill>
-                <a:latin typeface="微軟正黑體" pitchFamily="34" charset="-120"/>
-                <a:ea typeface="微軟正黑體" pitchFamily="34" charset="-120"/>
-              </a:rPr>
-              <a:t>盡忠為主</a:t>
-            </a:r>
-          </a:p>
-        </p:txBody>
-      </p:sp>
-      <p:sp>
-        <p:nvSpPr>
-          <p:cNvPr id="5" name="內容版面配置區 4"/>
-          <p:cNvSpPr>
-            <a:spLocks noGrp="1"/>
-          </p:cNvSpPr>
-          <p:nvPr>
-            <p:ph idx="1"/>
-          </p:nvPr>
-        </p:nvSpPr>
-        <p:spPr>
-          <a:xfrm>
-            <a:off x="0" y="1600200"/>
-            <a:ext cx="9144000" cy="4525963"/>
-          </a:xfrm>
-        </p:spPr>
-        <p:txBody>
-          <a:bodyPr>
-            <a:noAutofit/>
-          </a:bodyPr>
-          <a:lstStyle/>
+              <a:rPr lang="zh-TW" altLang="en-US" sz="6000" b="1" dirty="0">
+                <a:solidFill>
+                  <a:srgbClr val="660033"/>
+                </a:solidFill>
+                <a:latin typeface="微軟正黑體" pitchFamily="34" charset="-120"/>
+                <a:ea typeface="微軟正黑體" pitchFamily="34" charset="-120"/>
+              </a:rPr>
+              <a:t>必與榮耀至聖</a:t>
+            </a:r>
+            <a:r>
+              <a:rPr lang="zh-TW" altLang="en-US" sz="6000" b="1" dirty="0" smtClean="0">
+                <a:solidFill>
+                  <a:srgbClr val="660033"/>
+                </a:solidFill>
+                <a:latin typeface="微軟正黑體" pitchFamily="34" charset="-120"/>
+                <a:ea typeface="微軟正黑體" pitchFamily="34" charset="-120"/>
+              </a:rPr>
+              <a:t>王</a:t>
+            </a:r>
+            <a:r>
+              <a:rPr lang="en-US" altLang="zh-TW" sz="6000" b="1" dirty="0" smtClean="0">
+                <a:solidFill>
+                  <a:srgbClr val="660033"/>
+                </a:solidFill>
+                <a:latin typeface="微軟正黑體" pitchFamily="34" charset="-120"/>
+                <a:ea typeface="微軟正黑體" pitchFamily="34" charset="-120"/>
+              </a:rPr>
+              <a:t>  </a:t>
+            </a:r>
+            <a:r>
+              <a:rPr lang="zh-TW" altLang="en-US" sz="6000" b="1" dirty="0" smtClean="0">
+                <a:solidFill>
+                  <a:srgbClr val="660033"/>
+                </a:solidFill>
+                <a:latin typeface="微軟正黑體" pitchFamily="34" charset="-120"/>
+                <a:ea typeface="微軟正黑體" pitchFamily="34" charset="-120"/>
+              </a:rPr>
+              <a:t>永遠</a:t>
+            </a:r>
+            <a:r>
+              <a:rPr lang="zh-TW" altLang="en-US" sz="6000" b="1" dirty="0">
+                <a:solidFill>
+                  <a:srgbClr val="660033"/>
+                </a:solidFill>
+                <a:latin typeface="微軟正黑體" pitchFamily="34" charset="-120"/>
+                <a:ea typeface="微軟正黑體" pitchFamily="34" charset="-120"/>
+              </a:rPr>
+              <a:t>同操王權</a:t>
+            </a:r>
+          </a:p>
           <a:p>
             <a:pPr algn="ctr">
               <a:buNone/>
             </a:pPr>
-            <a:r>
-              <a:rPr lang="zh-TW" altLang="en-US" sz="5400" b="1" dirty="0" smtClean="0">
-                <a:solidFill>
-                  <a:srgbClr val="660033"/>
-                </a:solidFill>
-                <a:latin typeface="微軟正黑體" pitchFamily="34" charset="-120"/>
-                <a:ea typeface="微軟正黑體" pitchFamily="34" charset="-120"/>
-              </a:rPr>
-              <a:t>盡忠盡忠為耶穌</a:t>
-            </a:r>
-            <a:endParaRPr lang="en-US" altLang="zh-TW" sz="5400" b="1" dirty="0" smtClean="0">
+            <a:endParaRPr lang="zh-TW" altLang="en-US" sz="6000" b="1" dirty="0">
               <a:solidFill>
                 <a:srgbClr val="660033"/>
               </a:solidFill>
               <a:latin typeface="微軟正黑體" pitchFamily="34" charset="-120"/>
               <a:ea typeface="微軟正黑體" pitchFamily="34" charset="-120"/>
             </a:endParaRPr>
-          </a:p>
-          <a:p>
-            <a:pPr algn="ctr">
-              <a:buNone/>
-            </a:pPr>
-            <a:r>
-              <a:rPr lang="zh-TW" altLang="en-US" sz="5400" b="1" dirty="0" smtClean="0">
-                <a:solidFill>
-                  <a:srgbClr val="660033"/>
-                </a:solidFill>
-                <a:latin typeface="微軟正黑體" pitchFamily="34" charset="-120"/>
-                <a:ea typeface="微軟正黑體" pitchFamily="34" charset="-120"/>
-              </a:rPr>
-              <a:t>作戰單賴主力</a:t>
-            </a:r>
-            <a:endParaRPr lang="en-US" altLang="zh-TW" sz="5400" b="1" dirty="0" smtClean="0">
-              <a:solidFill>
-                <a:srgbClr val="660033"/>
-              </a:solidFill>
-              <a:latin typeface="微軟正黑體" pitchFamily="34" charset="-120"/>
-              <a:ea typeface="微軟正黑體" pitchFamily="34" charset="-120"/>
-            </a:endParaRPr>
-          </a:p>
-          <a:p>
-            <a:pPr algn="ctr">
-              <a:buNone/>
-            </a:pPr>
-            <a:r>
-              <a:rPr lang="zh-TW" altLang="en-US" sz="5400" b="1" dirty="0" smtClean="0">
-                <a:solidFill>
-                  <a:srgbClr val="660033"/>
-                </a:solidFill>
-                <a:latin typeface="微軟正黑體" pitchFamily="34" charset="-120"/>
-                <a:ea typeface="微軟正黑體" pitchFamily="34" charset="-120"/>
-              </a:rPr>
-              <a:t>肉體武器必退敗</a:t>
-            </a:r>
-            <a:endParaRPr lang="en-US" altLang="zh-TW" sz="5400" b="1" dirty="0" smtClean="0">
-              <a:solidFill>
-                <a:srgbClr val="660033"/>
-              </a:solidFill>
-              <a:latin typeface="微軟正黑體" pitchFamily="34" charset="-120"/>
-              <a:ea typeface="微軟正黑體" pitchFamily="34" charset="-120"/>
-            </a:endParaRPr>
-          </a:p>
-          <a:p>
-            <a:pPr algn="ctr">
-              <a:buNone/>
-            </a:pPr>
-            <a:r>
-              <a:rPr lang="zh-TW" altLang="en-US" sz="5400" b="1" dirty="0" smtClean="0">
-                <a:solidFill>
-                  <a:srgbClr val="660033"/>
-                </a:solidFill>
-                <a:latin typeface="微軟正黑體" pitchFamily="34" charset="-120"/>
-                <a:ea typeface="微軟正黑體" pitchFamily="34" charset="-120"/>
-              </a:rPr>
-              <a:t>不敢恃靠自己</a:t>
-            </a:r>
-          </a:p>
-        </p:txBody>
-      </p:sp>
-    </p:spTree>
-  </p:cSld>
-  <p:clrMapOvr>
-    <a:masterClrMapping/>
-  </p:clrMapOvr>
-</p:sld>
-</file>
-
-<file path=ppt/slides/slide6.xml><?xml version="1.0" encoding="utf-8"?>
-<p:sld xmlns:a="http://schemas.openxmlformats.org/drawingml/2006/main" xmlns:r="http://schemas.openxmlformats.org/officeDocument/2006/relationships" xmlns:p="http://schemas.openxmlformats.org/presentationml/2006/main">
-  <p:cSld>
-    <p:spTree>
-      <p:nvGrpSpPr>
-        <p:cNvPr id="1" name=""/>
-        <p:cNvGrpSpPr/>
-        <p:nvPr/>
-      </p:nvGrpSpPr>
-      <p:grpSpPr>
-        <a:xfrm>
-          <a:off x="0" y="0"/>
-          <a:ext cx="0" cy="0"/>
-          <a:chOff x="0" y="0"/>
-          <a:chExt cx="0" cy="0"/>
-        </a:xfrm>
-      </p:grpSpPr>
-      <p:sp>
-        <p:nvSpPr>
-          <p:cNvPr id="4" name="標題 3"/>
-          <p:cNvSpPr>
-            <a:spLocks noGrp="1"/>
-          </p:cNvSpPr>
-          <p:nvPr>
-            <p:ph type="title"/>
-          </p:nvPr>
-        </p:nvSpPr>
-        <p:spPr/>
-        <p:txBody>
-          <a:bodyPr/>
-          <a:lstStyle/>
-          <a:p>
-            <a:r>
-              <a:rPr lang="zh-TW" altLang="en-US" b="1" dirty="0">
-                <a:solidFill>
-                  <a:srgbClr val="660033"/>
-                </a:solidFill>
-                <a:latin typeface="微軟正黑體" pitchFamily="34" charset="-120"/>
-                <a:ea typeface="微軟正黑體" pitchFamily="34" charset="-120"/>
-              </a:rPr>
-              <a:t>盡忠為主</a:t>
-            </a:r>
-          </a:p>
-        </p:txBody>
-      </p:sp>
-      <p:sp>
-        <p:nvSpPr>
-          <p:cNvPr id="5" name="內容版面配置區 4"/>
-          <p:cNvSpPr>
-            <a:spLocks noGrp="1"/>
-          </p:cNvSpPr>
-          <p:nvPr>
-            <p:ph idx="1"/>
-          </p:nvPr>
-        </p:nvSpPr>
-        <p:spPr>
-          <a:xfrm>
-            <a:off x="0" y="1600200"/>
-            <a:ext cx="9144000" cy="4525963"/>
-          </a:xfrm>
-        </p:spPr>
-        <p:txBody>
-          <a:bodyPr>
-            <a:noAutofit/>
-          </a:bodyPr>
-          <a:lstStyle/>
-          <a:p>
-            <a:pPr algn="ctr">
-              <a:buNone/>
-            </a:pPr>
-            <a:r>
-              <a:rPr lang="zh-TW" altLang="en-US" sz="5400" b="1" dirty="0" smtClean="0">
-                <a:solidFill>
-                  <a:srgbClr val="660033"/>
-                </a:solidFill>
-                <a:latin typeface="微軟正黑體" pitchFamily="34" charset="-120"/>
-                <a:ea typeface="微軟正黑體" pitchFamily="34" charset="-120"/>
-              </a:rPr>
-              <a:t>信徒盔甲該穿戴</a:t>
-            </a:r>
-            <a:endParaRPr lang="en-US" altLang="zh-TW" sz="5400" b="1" dirty="0" smtClean="0">
-              <a:solidFill>
-                <a:srgbClr val="660033"/>
-              </a:solidFill>
-              <a:latin typeface="微軟正黑體" pitchFamily="34" charset="-120"/>
-              <a:ea typeface="微軟正黑體" pitchFamily="34" charset="-120"/>
-            </a:endParaRPr>
-          </a:p>
-          <a:p>
-            <a:pPr algn="ctr">
-              <a:buNone/>
-            </a:pPr>
-            <a:r>
-              <a:rPr lang="zh-TW" altLang="en-US" sz="5400" b="1" dirty="0" smtClean="0">
-                <a:solidFill>
-                  <a:srgbClr val="660033"/>
-                </a:solidFill>
-                <a:latin typeface="微軟正黑體" pitchFamily="34" charset="-120"/>
-                <a:ea typeface="微軟正黑體" pitchFamily="34" charset="-120"/>
-              </a:rPr>
-              <a:t>儆醒時常禱祈</a:t>
-            </a:r>
-            <a:endParaRPr lang="en-US" altLang="zh-TW" sz="5400" b="1" dirty="0" smtClean="0">
-              <a:solidFill>
-                <a:srgbClr val="660033"/>
-              </a:solidFill>
-              <a:latin typeface="微軟正黑體" pitchFamily="34" charset="-120"/>
-              <a:ea typeface="微軟正黑體" pitchFamily="34" charset="-120"/>
-            </a:endParaRPr>
-          </a:p>
-          <a:p>
-            <a:pPr algn="ctr">
-              <a:buNone/>
-            </a:pPr>
-            <a:r>
-              <a:rPr lang="zh-TW" altLang="en-US" sz="5400" b="1" dirty="0" smtClean="0">
-                <a:solidFill>
-                  <a:srgbClr val="660033"/>
-                </a:solidFill>
-                <a:latin typeface="微軟正黑體" pitchFamily="34" charset="-120"/>
-                <a:ea typeface="微軟正黑體" pitchFamily="34" charset="-120"/>
-              </a:rPr>
-              <a:t>應盡本份當完成</a:t>
-            </a:r>
-            <a:endParaRPr lang="en-US" altLang="zh-TW" sz="5400" b="1" dirty="0" smtClean="0">
-              <a:solidFill>
-                <a:srgbClr val="660033"/>
-              </a:solidFill>
-              <a:latin typeface="微軟正黑體" pitchFamily="34" charset="-120"/>
-              <a:ea typeface="微軟正黑體" pitchFamily="34" charset="-120"/>
-            </a:endParaRPr>
-          </a:p>
-          <a:p>
-            <a:pPr algn="ctr">
-              <a:buNone/>
-            </a:pPr>
-            <a:r>
-              <a:rPr lang="zh-TW" altLang="en-US" sz="5400" b="1" dirty="0" smtClean="0">
-                <a:solidFill>
-                  <a:srgbClr val="660033"/>
-                </a:solidFill>
-                <a:latin typeface="微軟正黑體" pitchFamily="34" charset="-120"/>
-                <a:ea typeface="微軟正黑體" pitchFamily="34" charset="-120"/>
-              </a:rPr>
-              <a:t>艱難不以為奇</a:t>
-            </a:r>
-          </a:p>
-        </p:txBody>
-      </p:sp>
-    </p:spTree>
-  </p:cSld>
-  <p:clrMapOvr>
-    <a:masterClrMapping/>
-  </p:clrMapOvr>
-</p:sld>
-</file>
-
-<file path=ppt/slides/slide7.xml><?xml version="1.0" encoding="utf-8"?>
-<p:sld xmlns:a="http://schemas.openxmlformats.org/drawingml/2006/main" xmlns:r="http://schemas.openxmlformats.org/officeDocument/2006/relationships" xmlns:p="http://schemas.openxmlformats.org/presentationml/2006/main">
-  <p:cSld>
-    <p:spTree>
-      <p:nvGrpSpPr>
-        <p:cNvPr id="1" name=""/>
-        <p:cNvGrpSpPr/>
-        <p:nvPr/>
-      </p:nvGrpSpPr>
-      <p:grpSpPr>
-        <a:xfrm>
-          <a:off x="0" y="0"/>
-          <a:ext cx="0" cy="0"/>
-          <a:chOff x="0" y="0"/>
-          <a:chExt cx="0" cy="0"/>
-        </a:xfrm>
-      </p:grpSpPr>
-      <p:sp>
-        <p:nvSpPr>
-          <p:cNvPr id="4" name="標題 3"/>
-          <p:cNvSpPr>
-            <a:spLocks noGrp="1"/>
-          </p:cNvSpPr>
-          <p:nvPr>
-            <p:ph type="title"/>
-          </p:nvPr>
-        </p:nvSpPr>
-        <p:spPr/>
-        <p:txBody>
-          <a:bodyPr/>
-          <a:lstStyle/>
-          <a:p>
-            <a:r>
-              <a:rPr lang="zh-TW" altLang="en-US" b="1" dirty="0">
-                <a:solidFill>
-                  <a:srgbClr val="660033"/>
-                </a:solidFill>
-                <a:latin typeface="微軟正黑體" pitchFamily="34" charset="-120"/>
-                <a:ea typeface="微軟正黑體" pitchFamily="34" charset="-120"/>
-              </a:rPr>
-              <a:t>盡忠為主</a:t>
-            </a:r>
-          </a:p>
-        </p:txBody>
-      </p:sp>
-      <p:sp>
-        <p:nvSpPr>
-          <p:cNvPr id="5" name="內容版面配置區 4"/>
-          <p:cNvSpPr>
-            <a:spLocks noGrp="1"/>
-          </p:cNvSpPr>
-          <p:nvPr>
-            <p:ph idx="1"/>
-          </p:nvPr>
-        </p:nvSpPr>
-        <p:spPr>
-          <a:xfrm>
-            <a:off x="0" y="1600200"/>
-            <a:ext cx="9144000" cy="4525963"/>
-          </a:xfrm>
-        </p:spPr>
-        <p:txBody>
-          <a:bodyPr>
-            <a:noAutofit/>
-          </a:bodyPr>
-          <a:lstStyle/>
-          <a:p>
-            <a:pPr algn="ctr">
-              <a:buNone/>
-            </a:pPr>
-            <a:r>
-              <a:rPr lang="zh-TW" altLang="en-US" sz="5400" b="1" dirty="0" smtClean="0">
-                <a:solidFill>
-                  <a:srgbClr val="660033"/>
-                </a:solidFill>
-                <a:latin typeface="微軟正黑體" pitchFamily="34" charset="-120"/>
-                <a:ea typeface="微軟正黑體" pitchFamily="34" charset="-120"/>
-              </a:rPr>
-              <a:t>盡忠盡忠為耶穌</a:t>
-            </a:r>
-            <a:endParaRPr lang="en-US" altLang="zh-TW" sz="5400" b="1" dirty="0" smtClean="0">
-              <a:solidFill>
-                <a:srgbClr val="660033"/>
-              </a:solidFill>
-              <a:latin typeface="微軟正黑體" pitchFamily="34" charset="-120"/>
-              <a:ea typeface="微軟正黑體" pitchFamily="34" charset="-120"/>
-            </a:endParaRPr>
-          </a:p>
-          <a:p>
-            <a:pPr algn="ctr">
-              <a:buNone/>
-            </a:pPr>
-            <a:r>
-              <a:rPr lang="zh-TW" altLang="en-US" sz="5400" b="1" dirty="0" smtClean="0">
-                <a:solidFill>
-                  <a:srgbClr val="660033"/>
-                </a:solidFill>
-                <a:latin typeface="微軟正黑體" pitchFamily="34" charset="-120"/>
-                <a:ea typeface="微軟正黑體" pitchFamily="34" charset="-120"/>
-              </a:rPr>
-              <a:t>交戰時日無多</a:t>
-            </a:r>
-            <a:endParaRPr lang="en-US" altLang="zh-TW" sz="5400" b="1" dirty="0" smtClean="0">
-              <a:solidFill>
-                <a:srgbClr val="660033"/>
-              </a:solidFill>
-              <a:latin typeface="微軟正黑體" pitchFamily="34" charset="-120"/>
-              <a:ea typeface="微軟正黑體" pitchFamily="34" charset="-120"/>
-            </a:endParaRPr>
-          </a:p>
-          <a:p>
-            <a:pPr algn="ctr">
-              <a:buNone/>
-            </a:pPr>
-            <a:r>
-              <a:rPr lang="zh-TW" altLang="en-US" sz="5400" b="1" dirty="0" smtClean="0">
-                <a:solidFill>
-                  <a:srgbClr val="660033"/>
-                </a:solidFill>
-                <a:latin typeface="微軟正黑體" pitchFamily="34" charset="-120"/>
-                <a:ea typeface="微軟正黑體" pitchFamily="34" charset="-120"/>
-              </a:rPr>
-              <a:t>今日雖聞干戈</a:t>
-            </a:r>
-            <a:r>
-              <a:rPr lang="zh-TW" altLang="en-US" sz="5400" b="1" dirty="0" smtClean="0">
-                <a:solidFill>
-                  <a:srgbClr val="660033"/>
-                </a:solidFill>
-                <a:latin typeface="微軟正黑體" pitchFamily="34" charset="-120"/>
-                <a:ea typeface="微軟正黑體" pitchFamily="34" charset="-120"/>
-              </a:rPr>
-              <a:t>聲</a:t>
-            </a:r>
-            <a:endParaRPr lang="en-US" altLang="zh-TW" sz="5400" b="1" dirty="0" smtClean="0">
-              <a:solidFill>
-                <a:srgbClr val="660033"/>
-              </a:solidFill>
-              <a:latin typeface="微軟正黑體" pitchFamily="34" charset="-120"/>
-              <a:ea typeface="微軟正黑體" pitchFamily="34" charset="-120"/>
-            </a:endParaRPr>
-          </a:p>
-          <a:p>
-            <a:pPr algn="ctr">
-              <a:buNone/>
-            </a:pPr>
-            <a:r>
-              <a:rPr lang="zh-TW" altLang="en-US" sz="5400" b="1" dirty="0" smtClean="0">
-                <a:solidFill>
-                  <a:srgbClr val="660033"/>
-                </a:solidFill>
-                <a:latin typeface="微軟正黑體" pitchFamily="34" charset="-120"/>
-                <a:ea typeface="微軟正黑體" pitchFamily="34" charset="-120"/>
-              </a:rPr>
-              <a:t>明日即奏凱歌</a:t>
-            </a:r>
-          </a:p>
-        </p:txBody>
-      </p:sp>
-    </p:spTree>
-  </p:cSld>
-  <p:clrMapOvr>
-    <a:masterClrMapping/>
-  </p:clrMapOvr>
-</p:sld>
-</file>
-
-<file path=ppt/slides/slide8.xml><?xml version="1.0" encoding="utf-8"?>
-<p:sld xmlns:a="http://schemas.openxmlformats.org/drawingml/2006/main" xmlns:r="http://schemas.openxmlformats.org/officeDocument/2006/relationships" xmlns:p="http://schemas.openxmlformats.org/presentationml/2006/main">
-  <p:cSld>
-    <p:spTree>
-      <p:nvGrpSpPr>
-        <p:cNvPr id="1" name=""/>
-        <p:cNvGrpSpPr/>
-        <p:nvPr/>
-      </p:nvGrpSpPr>
-      <p:grpSpPr>
-        <a:xfrm>
-          <a:off x="0" y="0"/>
-          <a:ext cx="0" cy="0"/>
-          <a:chOff x="0" y="0"/>
-          <a:chExt cx="0" cy="0"/>
-        </a:xfrm>
-      </p:grpSpPr>
-      <p:sp>
-        <p:nvSpPr>
-          <p:cNvPr id="4" name="標題 3"/>
-          <p:cNvSpPr>
-            <a:spLocks noGrp="1"/>
-          </p:cNvSpPr>
-          <p:nvPr>
-            <p:ph type="title"/>
-          </p:nvPr>
-        </p:nvSpPr>
-        <p:spPr/>
-        <p:txBody>
-          <a:bodyPr/>
-          <a:lstStyle/>
-          <a:p>
-            <a:r>
-              <a:rPr lang="zh-TW" altLang="en-US" b="1" dirty="0">
-                <a:solidFill>
-                  <a:srgbClr val="660033"/>
-                </a:solidFill>
-                <a:latin typeface="微軟正黑體" pitchFamily="34" charset="-120"/>
-                <a:ea typeface="微軟正黑體" pitchFamily="34" charset="-120"/>
-              </a:rPr>
-              <a:t>盡忠為主</a:t>
-            </a:r>
-          </a:p>
-        </p:txBody>
-      </p:sp>
-      <p:sp>
-        <p:nvSpPr>
-          <p:cNvPr id="5" name="內容版面配置區 4"/>
-          <p:cNvSpPr>
-            <a:spLocks noGrp="1"/>
-          </p:cNvSpPr>
-          <p:nvPr>
-            <p:ph idx="1"/>
-          </p:nvPr>
-        </p:nvSpPr>
-        <p:spPr>
-          <a:xfrm>
-            <a:off x="0" y="1600200"/>
-            <a:ext cx="9144000" cy="4525963"/>
-          </a:xfrm>
-        </p:spPr>
-        <p:txBody>
-          <a:bodyPr>
-            <a:noAutofit/>
-          </a:bodyPr>
-          <a:lstStyle/>
-          <a:p>
-            <a:pPr algn="ctr">
-              <a:buNone/>
-            </a:pPr>
-            <a:r>
-              <a:rPr lang="zh-TW" altLang="en-US" sz="5400" b="1" dirty="0" smtClean="0">
-                <a:solidFill>
-                  <a:srgbClr val="660033"/>
-                </a:solidFill>
-                <a:latin typeface="微軟正黑體" pitchFamily="34" charset="-120"/>
-                <a:ea typeface="微軟正黑體" pitchFamily="34" charset="-120"/>
-              </a:rPr>
-              <a:t>凡為出力得勝者</a:t>
-            </a:r>
-            <a:endParaRPr lang="en-US" altLang="zh-TW" sz="5400" b="1" dirty="0" smtClean="0">
-              <a:solidFill>
-                <a:srgbClr val="660033"/>
-              </a:solidFill>
-              <a:latin typeface="微軟正黑體" pitchFamily="34" charset="-120"/>
-              <a:ea typeface="微軟正黑體" pitchFamily="34" charset="-120"/>
-            </a:endParaRPr>
-          </a:p>
-          <a:p>
-            <a:pPr algn="ctr">
-              <a:buNone/>
-            </a:pPr>
-            <a:r>
-              <a:rPr lang="zh-TW" altLang="en-US" sz="5400" b="1" dirty="0" smtClean="0">
-                <a:solidFill>
-                  <a:srgbClr val="660033"/>
-                </a:solidFill>
-                <a:latin typeface="微軟正黑體" pitchFamily="34" charset="-120"/>
-                <a:ea typeface="微軟正黑體" pitchFamily="34" charset="-120"/>
-              </a:rPr>
-              <a:t>必得生命冠冕</a:t>
-            </a:r>
-            <a:endParaRPr lang="en-US" altLang="zh-TW" sz="5400" b="1" dirty="0" smtClean="0">
-              <a:solidFill>
-                <a:srgbClr val="660033"/>
-              </a:solidFill>
-              <a:latin typeface="微軟正黑體" pitchFamily="34" charset="-120"/>
-              <a:ea typeface="微軟正黑體" pitchFamily="34" charset="-120"/>
-            </a:endParaRPr>
-          </a:p>
-          <a:p>
-            <a:pPr algn="ctr">
-              <a:buNone/>
-            </a:pPr>
-            <a:r>
-              <a:rPr lang="zh-TW" altLang="en-US" sz="5400" b="1" dirty="0" smtClean="0">
-                <a:solidFill>
-                  <a:srgbClr val="660033"/>
-                </a:solidFill>
-                <a:latin typeface="微軟正黑體" pitchFamily="34" charset="-120"/>
-                <a:ea typeface="微軟正黑體" pitchFamily="34" charset="-120"/>
-              </a:rPr>
-              <a:t>必與榮耀至聖王</a:t>
-            </a:r>
-            <a:endParaRPr lang="en-US" altLang="zh-TW" sz="5400" b="1" dirty="0" smtClean="0">
-              <a:solidFill>
-                <a:srgbClr val="660033"/>
-              </a:solidFill>
-              <a:latin typeface="微軟正黑體" pitchFamily="34" charset="-120"/>
-              <a:ea typeface="微軟正黑體" pitchFamily="34" charset="-120"/>
-            </a:endParaRPr>
-          </a:p>
-          <a:p>
-            <a:pPr algn="ctr">
-              <a:buNone/>
-            </a:pPr>
-            <a:r>
-              <a:rPr lang="zh-TW" altLang="en-US" sz="5400" b="1" dirty="0" smtClean="0">
-                <a:solidFill>
-                  <a:srgbClr val="660033"/>
-                </a:solidFill>
-                <a:latin typeface="微軟正黑體" pitchFamily="34" charset="-120"/>
-                <a:ea typeface="微軟正黑體" pitchFamily="34" charset="-120"/>
-              </a:rPr>
-              <a:t>永遠同操王權</a:t>
-            </a:r>
           </a:p>
         </p:txBody>
       </p:sp>
